--- a/asp.net-and-azure-cob2014.pptx
+++ b/asp.net-and-azure-cob2014.pptx
@@ -3594,33 +3594,44 @@
         <p:spPr/>
         <p:txBody>
           <a:bodyPr>
-            <a:normAutofit/>
+            <a:normAutofit fontScale="92500" lnSpcReduction="20000"/>
           </a:bodyPr>
           <a:lstStyle/>
           <a:p>
             <a:r>
-              <a:rPr lang="en-US" dirty="0" smtClean="0"/>
+              <a:rPr lang="en-US" sz="3000" dirty="0" smtClean="0"/>
               <a:t>Samples: </a:t>
             </a:r>
-            <a:r>
-              <a:rPr lang="en-US" dirty="0" smtClean="0">
+          </a:p>
+          <a:p>
+            <a:pPr marL="0" indent="0">
+              <a:buNone/>
+            </a:pPr>
+            <a:r>
+              <a:rPr lang="en-US" sz="3000" dirty="0"/>
+              <a:t> </a:t>
+            </a:r>
+            <a:r>
+              <a:rPr lang="en-US" sz="3000" dirty="0" smtClean="0"/>
+              <a:t>  </a:t>
+            </a:r>
+            <a:r>
+              <a:rPr lang="en-US" sz="3000" dirty="0" smtClean="0">
                 <a:hlinkClick r:id="rId2"/>
               </a:rPr>
-              <a:t>https</a:t>
-            </a:r>
-            <a:r>
-              <a:rPr lang="en-US" dirty="0">
+              <a:t>bit.ly/</a:t>
+            </a:r>
+            <a:r>
+              <a:rPr lang="en-US" sz="3000" b="1" dirty="0" smtClean="0">
                 <a:hlinkClick r:id="rId2"/>
               </a:rPr>
-              <a:t>://</a:t>
-            </a:r>
-            <a:r>
-              <a:rPr lang="en-US" dirty="0" smtClean="0">
-                <a:hlinkClick r:id="rId2"/>
-              </a:rPr>
-              <a:t>github.com/sayedihashimi/codeonthebeach2014</a:t>
-            </a:r>
-            <a:endParaRPr lang="en-US" dirty="0" smtClean="0"/>
+              <a:t>sihcob14</a:t>
+            </a:r>
+            <a:endParaRPr lang="en-US" sz="3000" b="1" dirty="0" smtClean="0"/>
+          </a:p>
+          <a:p>
+            <a:pPr lvl="1"/>
+            <a:endParaRPr lang="en-US" sz="3000" dirty="0" smtClean="0"/>
           </a:p>
           <a:p>
             <a:r>
@@ -3880,11 +3891,7 @@
             <a:pPr lvl="1"/>
             <a:r>
               <a:rPr lang="en-US" sz="3000" dirty="0" smtClean="0"/>
-              <a:t>Site </a:t>
-            </a:r>
-            <a:r>
-              <a:rPr lang="en-US" sz="3000" dirty="0" smtClean="0"/>
-              <a:t>Extensions</a:t>
+              <a:t>Site Extensions</a:t>
             </a:r>
           </a:p>
           <a:p>
@@ -3893,7 +3900,6 @@
               <a:rPr lang="en-US" sz="3000" dirty="0" smtClean="0"/>
               <a:t>Visual Studio Integration</a:t>
             </a:r>
-            <a:endParaRPr lang="en-US" sz="3000" dirty="0" smtClean="0"/>
           </a:p>
         </p:txBody>
       </p:sp>
@@ -4318,11 +4324,7 @@
           <a:p>
             <a:r>
               <a:rPr lang="en-US" dirty="0" smtClean="0"/>
-              <a:t>Brief Overview of </a:t>
-            </a:r>
-            <a:r>
-              <a:rPr lang="en-US" dirty="0" smtClean="0"/>
-              <a:t>Azure</a:t>
+              <a:t>Brief Overview of Azure</a:t>
             </a:r>
             <a:endParaRPr lang="en-US" dirty="0"/>
           </a:p>
@@ -6456,11 +6458,7 @@
           <a:p>
             <a:r>
               <a:rPr lang="en-US" dirty="0" smtClean="0"/>
-              <a:t>Azure </a:t>
-            </a:r>
-            <a:r>
-              <a:rPr lang="en-US" dirty="0" smtClean="0"/>
-              <a:t>Active Directory</a:t>
+              <a:t>Azure Active Directory</a:t>
             </a:r>
             <a:endParaRPr lang="en-US" dirty="0"/>
           </a:p>

--- a/asp.net-and-azure-cob2014.pptx
+++ b/asp.net-and-azure-cob2014.pptx
@@ -11,11 +11,10 @@
     <p:sldId id="263" r:id="rId5"/>
     <p:sldId id="262" r:id="rId6"/>
     <p:sldId id="264" r:id="rId7"/>
-    <p:sldId id="259" r:id="rId8"/>
-    <p:sldId id="260" r:id="rId9"/>
-    <p:sldId id="261" r:id="rId10"/>
-    <p:sldId id="267" r:id="rId11"/>
-    <p:sldId id="266" r:id="rId12"/>
+    <p:sldId id="260" r:id="rId8"/>
+    <p:sldId id="261" r:id="rId9"/>
+    <p:sldId id="267" r:id="rId10"/>
+    <p:sldId id="266" r:id="rId11"/>
   </p:sldIdLst>
   <p:sldSz cx="12192000" cy="6858000"/>
   <p:notesSz cx="6858000" cy="9144000"/>
@@ -318,7 +317,7 @@
           <a:p>
             <a:fld id="{ACF1A1B0-862D-4909-A7DB-D8ADA062DFCA}" type="datetimeFigureOut">
               <a:rPr lang="en-US" dirty="0"/>
-              <a:t>8/8/2014</a:t>
+              <a:t>8/9/2014</a:t>
             </a:fld>
             <a:endParaRPr lang="en-US" dirty="0"/>
           </a:p>
@@ -538,7 +537,7 @@
           <a:p>
             <a:fld id="{7B156144-9CB7-4E3A-B87E-A382F9BE05EF}" type="datetimeFigureOut">
               <a:rPr lang="en-US" dirty="0"/>
-              <a:t>8/8/2014</a:t>
+              <a:t>8/9/2014</a:t>
             </a:fld>
             <a:endParaRPr lang="en-US" dirty="0"/>
           </a:p>
@@ -713,7 +712,7 @@
           <a:p>
             <a:fld id="{2643D55F-46AB-4791-9172-4FA8DD3A6A9C}" type="datetimeFigureOut">
               <a:rPr lang="en-US" dirty="0"/>
-              <a:t>8/8/2014</a:t>
+              <a:t>8/9/2014</a:t>
             </a:fld>
             <a:endParaRPr lang="en-US" dirty="0"/>
           </a:p>
@@ -878,7 +877,7 @@
           <a:p>
             <a:fld id="{58026881-8A08-449C-8D73-E5F201F814C1}" type="datetimeFigureOut">
               <a:rPr lang="en-US" dirty="0"/>
-              <a:t>8/8/2014</a:t>
+              <a:t>8/9/2014</a:t>
             </a:fld>
             <a:endParaRPr lang="en-US" dirty="0"/>
           </a:p>
@@ -1164,7 +1163,7 @@
           <a:p>
             <a:fld id="{1BEB5A5E-0C07-4E93-A112-D37B4D166B30}" type="datetimeFigureOut">
               <a:rPr lang="en-US" dirty="0"/>
-              <a:t>8/8/2014</a:t>
+              <a:t>8/9/2014</a:t>
             </a:fld>
             <a:endParaRPr lang="en-US" dirty="0"/>
           </a:p>
@@ -1485,7 +1484,7 @@
           <a:p>
             <a:fld id="{9E1F71C5-DC57-4358-A1EA-30C08AF6E3C5}" type="datetimeFigureOut">
               <a:rPr lang="en-US" dirty="0"/>
-              <a:t>8/8/2014</a:t>
+              <a:t>8/9/2014</a:t>
             </a:fld>
             <a:endParaRPr lang="en-US" dirty="0"/>
           </a:p>
@@ -1892,7 +1891,7 @@
           <a:p>
             <a:fld id="{12571DBA-DE60-4731-B773-47AAA185C143}" type="datetimeFigureOut">
               <a:rPr lang="en-US" dirty="0"/>
-              <a:t>8/8/2014</a:t>
+              <a:t>8/9/2014</a:t>
             </a:fld>
             <a:endParaRPr lang="en-US" dirty="0"/>
           </a:p>
@@ -2005,7 +2004,7 @@
           <a:p>
             <a:fld id="{4F170639-886C-4FCF-9EAB-ABB5DA3F3F4A}" type="datetimeFigureOut">
               <a:rPr lang="en-US" dirty="0"/>
-              <a:t>8/8/2014</a:t>
+              <a:t>8/9/2014</a:t>
             </a:fld>
             <a:endParaRPr lang="en-US" dirty="0"/>
           </a:p>
@@ -2095,7 +2094,7 @@
           <a:p>
             <a:fld id="{34C4A628-C83B-4C66-83F4-1711CE3738FD}" type="datetimeFigureOut">
               <a:rPr lang="en-US" dirty="0"/>
-              <a:t>8/8/2014</a:t>
+              <a:t>8/9/2014</a:t>
             </a:fld>
             <a:endParaRPr lang="en-US" dirty="0"/>
           </a:p>
@@ -2377,7 +2376,7 @@
           <a:p>
             <a:fld id="{B88C1D73-9400-43CA-A37F-F9B7D00DE14C}" type="datetimeFigureOut">
               <a:rPr lang="en-US" dirty="0"/>
-              <a:t>8/8/2014</a:t>
+              <a:t>8/9/2014</a:t>
             </a:fld>
             <a:endParaRPr lang="en-US" dirty="0"/>
           </a:p>
@@ -2649,7 +2648,7 @@
           <a:p>
             <a:fld id="{188B7711-B905-4633-B4D7-6F3A49A2E7D9}" type="datetimeFigureOut">
               <a:rPr lang="en-US" dirty="0"/>
-              <a:t>8/8/2014</a:t>
+              <a:t>8/9/2014</a:t>
             </a:fld>
             <a:endParaRPr lang="en-US" dirty="0"/>
           </a:p>
@@ -2896,7 +2895,7 @@
             <a:fld id="{89C235CF-BDA2-4E7E-8BBD-350479985E74}" type="datetimeFigureOut">
               <a:rPr lang="en-US" dirty="0"/>
               <a:pPr/>
-              <a:t>8/8/2014</a:t>
+              <a:t>8/9/2014</a:t>
             </a:fld>
             <a:endParaRPr lang="en-US" dirty="0"/>
           </a:p>
@@ -3476,88 +3475,6 @@
       </p:grpSpPr>
       <p:sp>
         <p:nvSpPr>
-          <p:cNvPr id="4" name="Title 3"/>
-          <p:cNvSpPr>
-            <a:spLocks noGrp="1"/>
-          </p:cNvSpPr>
-          <p:nvPr>
-            <p:ph type="ctrTitle"/>
-          </p:nvPr>
-        </p:nvSpPr>
-        <p:spPr/>
-        <p:txBody>
-          <a:bodyPr/>
-          <a:lstStyle/>
-          <a:p>
-            <a:r>
-              <a:rPr lang="en-US" dirty="0" smtClean="0"/>
-              <a:t>Demo Time!</a:t>
-            </a:r>
-            <a:br>
-              <a:rPr lang="en-US" dirty="0" smtClean="0"/>
-            </a:br>
-            <a:r>
-              <a:rPr lang="en-US" dirty="0" smtClean="0"/>
-              <a:t/>
-            </a:r>
-            <a:br>
-              <a:rPr lang="en-US" dirty="0" smtClean="0"/>
-            </a:br>
-            <a:endParaRPr lang="en-US" dirty="0"/>
-          </a:p>
-        </p:txBody>
-      </p:sp>
-      <p:sp>
-        <p:nvSpPr>
-          <p:cNvPr id="5" name="Subtitle 4"/>
-          <p:cNvSpPr>
-            <a:spLocks noGrp="1"/>
-          </p:cNvSpPr>
-          <p:nvPr>
-            <p:ph type="subTitle" idx="1"/>
-          </p:nvPr>
-        </p:nvSpPr>
-        <p:spPr/>
-        <p:txBody>
-          <a:bodyPr/>
-          <a:lstStyle/>
-          <a:p>
-            <a:endParaRPr lang="en-US"/>
-          </a:p>
-        </p:txBody>
-      </p:sp>
-    </p:spTree>
-    <p:extLst>
-      <p:ext uri="{BB962C8B-B14F-4D97-AF65-F5344CB8AC3E}">
-        <p14:creationId xmlns:p14="http://schemas.microsoft.com/office/powerpoint/2010/main" val="1779539400"/>
-      </p:ext>
-    </p:extLst>
-  </p:cSld>
-  <p:clrMapOvr>
-    <a:masterClrMapping/>
-  </p:clrMapOvr>
-</p:sld>
-</file>
-
-<file path=ppt/slides/slide11.xml><?xml version="1.0" encoding="utf-8"?>
-<p:sld xmlns:a="http://schemas.openxmlformats.org/drawingml/2006/main" xmlns:r="http://schemas.openxmlformats.org/officeDocument/2006/relationships" xmlns:p="http://schemas.openxmlformats.org/presentationml/2006/main">
-  <p:cSld>
-    <p:spTree>
-      <p:nvGrpSpPr>
-        <p:cNvPr id="1" name=""/>
-        <p:cNvGrpSpPr/>
-        <p:nvPr/>
-      </p:nvGrpSpPr>
-      <p:grpSpPr>
-        <a:xfrm>
-          <a:off x="0" y="0"/>
-          <a:ext cx="0" cy="0"/>
-          <a:chOff x="0" y="0"/>
-          <a:chExt cx="0" cy="0"/>
-        </a:xfrm>
-      </p:grpSpPr>
-      <p:sp>
-        <p:nvSpPr>
           <p:cNvPr id="2" name="Title 1"/>
           <p:cNvSpPr>
             <a:spLocks noGrp="1"/>
@@ -3594,40 +3511,27 @@
         <p:spPr/>
         <p:txBody>
           <a:bodyPr>
-            <a:normAutofit fontScale="92500" lnSpcReduction="20000"/>
+            <a:normAutofit fontScale="92500" lnSpcReduction="10000"/>
           </a:bodyPr>
           <a:lstStyle/>
           <a:p>
             <a:r>
-              <a:rPr lang="en-US" sz="3000" dirty="0" smtClean="0"/>
-              <a:t>Samples: </a:t>
-            </a:r>
-          </a:p>
-          <a:p>
-            <a:pPr marL="0" indent="0">
-              <a:buNone/>
-            </a:pPr>
-            <a:r>
-              <a:rPr lang="en-US" sz="3000" dirty="0"/>
-              <a:t> </a:t>
-            </a:r>
-            <a:r>
-              <a:rPr lang="en-US" sz="3000" dirty="0" smtClean="0"/>
-              <a:t>  </a:t>
-            </a:r>
-            <a:r>
-              <a:rPr lang="en-US" sz="3000" dirty="0" smtClean="0">
+              <a:rPr lang="en-US" sz="3900" dirty="0" smtClean="0"/>
+              <a:t>Samples </a:t>
+            </a:r>
+            <a:r>
+              <a:rPr lang="en-US" sz="3900" dirty="0" smtClean="0">
                 <a:hlinkClick r:id="rId2"/>
               </a:rPr>
               <a:t>bit.ly/</a:t>
             </a:r>
             <a:r>
-              <a:rPr lang="en-US" sz="3000" b="1" dirty="0" smtClean="0">
+              <a:rPr lang="en-US" sz="3900" b="1" dirty="0" smtClean="0">
                 <a:hlinkClick r:id="rId2"/>
               </a:rPr>
               <a:t>sihcob14</a:t>
             </a:r>
-            <a:endParaRPr lang="en-US" sz="3000" b="1" dirty="0" smtClean="0"/>
+            <a:endParaRPr lang="en-US" sz="3900" b="1" dirty="0" smtClean="0"/>
           </a:p>
           <a:p>
             <a:pPr lvl="1"/>
@@ -3667,10 +3571,16 @@
               <a:t>Web Jobs SDK: </a:t>
             </a:r>
             <a:r>
+              <a:rPr lang="en-US" dirty="0" smtClean="0">
+                <a:hlinkClick r:id="rId4"/>
+              </a:rPr>
+              <a:t>http</a:t>
+            </a:r>
+            <a:r>
               <a:rPr lang="en-US" dirty="0">
                 <a:hlinkClick r:id="rId4"/>
               </a:rPr>
-              <a:t>http://azure.microsoft.com/en-us/documentation/articles/websites-dotnet-webjobs-sdk-get-started</a:t>
+              <a:t>://azure.microsoft.com/en-us/documentation/articles/websites-dotnet-webjobs-sdk-get-started</a:t>
             </a:r>
             <a:r>
               <a:rPr lang="en-US" dirty="0" smtClean="0">
@@ -3685,12 +3595,12 @@
           </a:p>
           <a:p>
             <a:r>
+              <a:rPr lang="en-US" smtClean="0"/>
+              <a:t>Vittorio’s </a:t>
+            </a:r>
+            <a:r>
               <a:rPr lang="en-US" dirty="0" smtClean="0"/>
-              <a:t>AAD </a:t>
-            </a:r>
-            <a:r>
-              <a:rPr lang="en-US" dirty="0"/>
-              <a:t>Vittorio’s blog: </a:t>
+              <a:t>blog (AAD): </a:t>
             </a:r>
             <a:r>
               <a:rPr lang="en-US" dirty="0">
@@ -4455,7 +4365,7 @@
       </p:grpSpPr>
       <p:sp>
         <p:nvSpPr>
-          <p:cNvPr id="2" name="Title 1"/>
+          <p:cNvPr id="4" name="Title 3"/>
           <p:cNvSpPr>
             <a:spLocks noGrp="1"/>
           </p:cNvSpPr>
@@ -4465,1949 +4375,40 @@
         </p:nvSpPr>
         <p:spPr/>
         <p:txBody>
-          <a:bodyPr>
-            <a:normAutofit fontScale="90000"/>
-          </a:bodyPr>
-          <a:lstStyle/>
-          <a:p>
-            <a:r>
-              <a:rPr lang="en-US" dirty="0"/>
-              <a:t>Familiar technology, enhanced in Azure</a:t>
-            </a:r>
-          </a:p>
-        </p:txBody>
-      </p:sp>
-      <p:graphicFrame>
-        <p:nvGraphicFramePr>
-          <p:cNvPr id="5" name="Table 4"/>
-          <p:cNvGraphicFramePr>
-            <a:graphicFrameLocks noGrp="1"/>
-          </p:cNvGraphicFramePr>
-          <p:nvPr>
-            <p:extLst>
-              <p:ext uri="{D42A27DB-BD31-4B8C-83A1-F6EECF244321}">
-                <p14:modId xmlns:p14="http://schemas.microsoft.com/office/powerpoint/2010/main" val="2576526753"/>
-              </p:ext>
-            </p:extLst>
-          </p:nvPr>
-        </p:nvGraphicFramePr>
-        <p:xfrm>
-          <a:off x="274639" y="1272241"/>
-          <a:ext cx="11416030" cy="5273021"/>
-        </p:xfrm>
-        <a:graphic>
-          <a:graphicData uri="http://schemas.openxmlformats.org/drawingml/2006/table">
-            <a:tbl>
-              <a:tblPr firstRow="1">
-                <a:tableStyleId>{5C22544A-7EE6-4342-B048-85BDC9FD1C3A}</a:tableStyleId>
-              </a:tblPr>
-              <a:tblGrid>
-                <a:gridCol w="2514598"/>
-                <a:gridCol w="3581400"/>
-                <a:gridCol w="5320032"/>
-              </a:tblGrid>
-              <a:tr h="731520">
-                <a:tc>
-                  <a:txBody>
-                    <a:bodyPr/>
-                    <a:lstStyle/>
-                    <a:p>
-                      <a:pPr defTabSz="932472" fontAlgn="base">
-                        <a:lnSpc>
-                          <a:spcPct val="90000"/>
-                        </a:lnSpc>
-                        <a:spcBef>
-                          <a:spcPct val="0"/>
-                        </a:spcBef>
-                        <a:spcAft>
-                          <a:spcPct val="0"/>
-                        </a:spcAft>
-                      </a:pPr>
-                      <a:r>
-                        <a:rPr lang="en-US" sz="2800" b="1" kern="1200" dirty="0" smtClean="0">
-                          <a:gradFill>
-                            <a:gsLst>
-                              <a:gs pos="0">
-                                <a:srgbClr val="FFFFFF"/>
-                              </a:gs>
-                              <a:gs pos="100000">
-                                <a:srgbClr val="FFFFFF"/>
-                              </a:gs>
-                            </a:gsLst>
-                            <a:lin ang="5400000" scaled="0"/>
-                          </a:gradFill>
-                          <a:latin typeface="+mj-lt"/>
-                          <a:ea typeface="Segoe UI" pitchFamily="34" charset="0"/>
-                          <a:cs typeface="Segoe UI" pitchFamily="34" charset="0"/>
-                        </a:rPr>
-                        <a:t>Feature</a:t>
-                      </a:r>
-                    </a:p>
-                  </a:txBody>
-                  <a:tcPr marL="182880" marR="182880" marT="91440" marB="91440" anchor="ctr">
-                    <a:lnL w="12700" cmpd="sng">
-                      <a:noFill/>
-                    </a:lnL>
-                    <a:lnR w="9525" cap="flat" cmpd="sng" algn="ctr">
-                      <a:solidFill>
-                        <a:srgbClr val="FFFFFF"/>
-                      </a:solidFill>
-                      <a:prstDash val="solid"/>
-                      <a:round/>
-                      <a:headEnd type="none" w="med" len="med"/>
-                      <a:tailEnd type="none" w="med" len="med"/>
-                    </a:lnR>
-                    <a:lnT w="12700" cmpd="sng">
-                      <a:noFill/>
-                    </a:lnT>
-                    <a:lnB w="9525" cap="flat" cmpd="sng" algn="ctr">
-                      <a:solidFill>
-                        <a:srgbClr val="FFFFFF"/>
-                      </a:solidFill>
-                      <a:prstDash val="solid"/>
-                      <a:round/>
-                      <a:headEnd type="none" w="med" len="med"/>
-                      <a:tailEnd type="none" w="med" len="med"/>
-                    </a:lnB>
-                    <a:lnTlToBr w="12700" cmpd="sng">
-                      <a:noFill/>
-                      <a:prstDash val="solid"/>
-                    </a:lnTlToBr>
-                    <a:lnBlToTr w="12700" cmpd="sng">
-                      <a:noFill/>
-                      <a:prstDash val="solid"/>
-                    </a:lnBlToTr>
-                    <a:solidFill>
-                      <a:schemeClr val="accent1"/>
-                    </a:solidFill>
-                  </a:tcPr>
-                </a:tc>
-                <a:tc>
-                  <a:txBody>
-                    <a:bodyPr/>
-                    <a:lstStyle/>
-                    <a:p>
-                      <a:pPr marL="0" algn="l" defTabSz="932472" rtl="0" eaLnBrk="1" fontAlgn="base" latinLnBrk="0" hangingPunct="1">
-                        <a:lnSpc>
-                          <a:spcPct val="90000"/>
-                        </a:lnSpc>
-                        <a:spcBef>
-                          <a:spcPct val="0"/>
-                        </a:spcBef>
-                        <a:spcAft>
-                          <a:spcPct val="0"/>
-                        </a:spcAft>
-                      </a:pPr>
-                      <a:r>
-                        <a:rPr lang="en-US" sz="2800" b="1" kern="1200" dirty="0" smtClean="0">
-                          <a:gradFill>
-                            <a:gsLst>
-                              <a:gs pos="0">
-                                <a:srgbClr val="FFFFFF"/>
-                              </a:gs>
-                              <a:gs pos="100000">
-                                <a:srgbClr val="FFFFFF"/>
-                              </a:gs>
-                            </a:gsLst>
-                            <a:lin ang="5400000" scaled="0"/>
-                          </a:gradFill>
-                          <a:latin typeface="+mj-lt"/>
-                          <a:ea typeface="Segoe UI" pitchFamily="34" charset="0"/>
-                          <a:cs typeface="Segoe UI" pitchFamily="34" charset="0"/>
-                        </a:rPr>
-                        <a:t>On-Premises</a:t>
-                      </a:r>
-                      <a:endParaRPr lang="en-US" sz="2800" b="1" kern="1200" dirty="0">
-                        <a:gradFill>
-                          <a:gsLst>
-                            <a:gs pos="0">
-                              <a:srgbClr val="FFFFFF"/>
-                            </a:gs>
-                            <a:gs pos="100000">
-                              <a:srgbClr val="FFFFFF"/>
-                            </a:gs>
-                          </a:gsLst>
-                          <a:lin ang="5400000" scaled="0"/>
-                        </a:gradFill>
-                        <a:latin typeface="+mj-lt"/>
-                        <a:ea typeface="Segoe UI" pitchFamily="34" charset="0"/>
-                        <a:cs typeface="Segoe UI" pitchFamily="34" charset="0"/>
-                      </a:endParaRPr>
-                    </a:p>
-                  </a:txBody>
-                  <a:tcPr marL="182880" marR="182880" marT="91440" marB="91440" anchor="ctr">
-                    <a:lnL w="9525" cap="flat" cmpd="sng" algn="ctr">
-                      <a:solidFill>
-                        <a:srgbClr val="FFFFFF"/>
-                      </a:solidFill>
-                      <a:prstDash val="solid"/>
-                      <a:round/>
-                      <a:headEnd type="none" w="med" len="med"/>
-                      <a:tailEnd type="none" w="med" len="med"/>
-                    </a:lnL>
-                    <a:lnR w="9525" cap="flat" cmpd="sng" algn="ctr">
-                      <a:solidFill>
-                        <a:srgbClr val="FFFFFF"/>
-                      </a:solidFill>
-                      <a:prstDash val="solid"/>
-                      <a:round/>
-                      <a:headEnd type="none" w="med" len="med"/>
-                      <a:tailEnd type="none" w="med" len="med"/>
-                    </a:lnR>
-                    <a:lnT w="12700" cmpd="sng">
-                      <a:noFill/>
-                    </a:lnT>
-                    <a:lnB w="9525" cap="flat" cmpd="sng" algn="ctr">
-                      <a:solidFill>
-                        <a:srgbClr val="FFFFFF"/>
-                      </a:solidFill>
-                      <a:prstDash val="solid"/>
-                      <a:round/>
-                      <a:headEnd type="none" w="med" len="med"/>
-                      <a:tailEnd type="none" w="med" len="med"/>
-                    </a:lnB>
-                    <a:lnTlToBr w="12700" cmpd="sng">
-                      <a:noFill/>
-                      <a:prstDash val="solid"/>
-                    </a:lnTlToBr>
-                    <a:lnBlToTr w="12700" cmpd="sng">
-                      <a:noFill/>
-                      <a:prstDash val="solid"/>
-                    </a:lnBlToTr>
-                    <a:solidFill>
-                      <a:schemeClr val="accent1"/>
-                    </a:solidFill>
-                  </a:tcPr>
-                </a:tc>
-                <a:tc>
-                  <a:txBody>
-                    <a:bodyPr/>
-                    <a:lstStyle/>
-                    <a:p>
-                      <a:pPr marL="0" algn="l" defTabSz="932472" rtl="0" eaLnBrk="1" fontAlgn="base" latinLnBrk="0" hangingPunct="1">
-                        <a:lnSpc>
-                          <a:spcPct val="90000"/>
-                        </a:lnSpc>
-                        <a:spcBef>
-                          <a:spcPct val="0"/>
-                        </a:spcBef>
-                        <a:spcAft>
-                          <a:spcPct val="0"/>
-                        </a:spcAft>
-                      </a:pPr>
-                      <a:r>
-                        <a:rPr lang="en-US" sz="2800" b="1" kern="1200" dirty="0" smtClean="0">
-                          <a:gradFill>
-                            <a:gsLst>
-                              <a:gs pos="0">
-                                <a:srgbClr val="FFFFFF"/>
-                              </a:gs>
-                              <a:gs pos="100000">
-                                <a:srgbClr val="FFFFFF"/>
-                              </a:gs>
-                            </a:gsLst>
-                            <a:lin ang="5400000" scaled="0"/>
-                          </a:gradFill>
-                          <a:latin typeface="+mj-lt"/>
-                          <a:ea typeface="Segoe UI" pitchFamily="34" charset="0"/>
-                          <a:cs typeface="Segoe UI" pitchFamily="34" charset="0"/>
-                        </a:rPr>
-                        <a:t>Azure</a:t>
-                      </a:r>
-                      <a:endParaRPr lang="en-US" sz="2800" b="1" kern="1200" dirty="0">
-                        <a:gradFill>
-                          <a:gsLst>
-                            <a:gs pos="0">
-                              <a:srgbClr val="FFFFFF"/>
-                            </a:gs>
-                            <a:gs pos="100000">
-                              <a:srgbClr val="FFFFFF"/>
-                            </a:gs>
-                          </a:gsLst>
-                          <a:lin ang="5400000" scaled="0"/>
-                        </a:gradFill>
-                        <a:latin typeface="+mj-lt"/>
-                        <a:ea typeface="Segoe UI" pitchFamily="34" charset="0"/>
-                        <a:cs typeface="Segoe UI" pitchFamily="34" charset="0"/>
-                      </a:endParaRPr>
-                    </a:p>
-                  </a:txBody>
-                  <a:tcPr marL="182880" marR="182880" marT="91440" marB="91440" anchor="ctr">
-                    <a:lnL w="9525" cap="flat" cmpd="sng" algn="ctr">
-                      <a:solidFill>
-                        <a:srgbClr val="FFFFFF"/>
-                      </a:solidFill>
-                      <a:prstDash val="solid"/>
-                      <a:round/>
-                      <a:headEnd type="none" w="med" len="med"/>
-                      <a:tailEnd type="none" w="med" len="med"/>
-                    </a:lnL>
-                    <a:lnR w="12700" cmpd="sng">
-                      <a:noFill/>
-                    </a:lnR>
-                    <a:lnT w="12700" cmpd="sng">
-                      <a:noFill/>
-                    </a:lnT>
-                    <a:lnB w="9525" cap="flat" cmpd="sng" algn="ctr">
-                      <a:solidFill>
-                        <a:srgbClr val="FFFFFF"/>
-                      </a:solidFill>
-                      <a:prstDash val="solid"/>
-                      <a:round/>
-                      <a:headEnd type="none" w="med" len="med"/>
-                      <a:tailEnd type="none" w="med" len="med"/>
-                    </a:lnB>
-                    <a:lnTlToBr w="12700" cmpd="sng">
-                      <a:noFill/>
-                      <a:prstDash val="solid"/>
-                    </a:lnTlToBr>
-                    <a:lnBlToTr w="12700" cmpd="sng">
-                      <a:noFill/>
-                      <a:prstDash val="solid"/>
-                    </a:lnBlToTr>
-                    <a:solidFill>
-                      <a:schemeClr val="accent1"/>
-                    </a:solidFill>
-                  </a:tcPr>
-                </a:tc>
-              </a:tr>
-              <a:tr h="1005821">
-                <a:tc>
-                  <a:txBody>
-                    <a:bodyPr/>
-                    <a:lstStyle/>
-                    <a:p>
-                      <a:r>
-                        <a:rPr lang="en-US" sz="1800" dirty="0" smtClean="0"/>
-                        <a:t>Web Sites</a:t>
-                      </a:r>
-                      <a:endParaRPr lang="en-US" dirty="0"/>
-                    </a:p>
-                  </a:txBody>
-                  <a:tcPr marL="182880" marR="182880" marT="91440" marB="91440">
-                    <a:lnL w="9525" cap="flat" cmpd="sng" algn="ctr">
-                      <a:solidFill>
-                        <a:srgbClr val="FFFFFF"/>
-                      </a:solidFill>
-                      <a:prstDash val="solid"/>
-                      <a:round/>
-                      <a:headEnd type="none" w="med" len="med"/>
-                      <a:tailEnd type="none" w="med" len="med"/>
-                    </a:lnL>
-                    <a:lnR w="9525" cap="flat" cmpd="sng" algn="ctr">
-                      <a:solidFill>
-                        <a:srgbClr val="FFFFFF"/>
-                      </a:solidFill>
-                      <a:prstDash val="solid"/>
-                      <a:round/>
-                      <a:headEnd type="none" w="med" len="med"/>
-                      <a:tailEnd type="none" w="med" len="med"/>
-                    </a:lnR>
-                    <a:lnT w="9525" cap="flat" cmpd="sng" algn="ctr">
-                      <a:solidFill>
-                        <a:srgbClr val="FFFFFF"/>
-                      </a:solidFill>
-                      <a:prstDash val="solid"/>
-                      <a:round/>
-                      <a:headEnd type="none" w="med" len="med"/>
-                      <a:tailEnd type="none" w="med" len="med"/>
-                    </a:lnT>
-                    <a:lnB w="9525" cap="flat" cmpd="sng" algn="ctr">
-                      <a:solidFill>
-                        <a:srgbClr val="FFFFFF"/>
-                      </a:solidFill>
-                      <a:prstDash val="solid"/>
-                      <a:round/>
-                      <a:headEnd type="none" w="med" len="med"/>
-                      <a:tailEnd type="none" w="med" len="med"/>
-                    </a:lnB>
-                    <a:lnTlToBr w="12700" cmpd="sng">
-                      <a:noFill/>
-                      <a:prstDash val="solid"/>
-                    </a:lnTlToBr>
-                    <a:lnBlToTr w="12700" cmpd="sng">
-                      <a:noFill/>
-                      <a:prstDash val="solid"/>
-                    </a:lnBlToTr>
-                    <a:solidFill>
-                      <a:srgbClr val="F5F5F5"/>
-                    </a:solidFill>
-                  </a:tcPr>
-                </a:tc>
-                <a:tc>
-                  <a:txBody>
-                    <a:bodyPr/>
-                    <a:lstStyle/>
-                    <a:p>
-                      <a:pPr marL="0" marR="0" indent="0" algn="l" defTabSz="932742" rtl="0" eaLnBrk="1" fontAlgn="auto" latinLnBrk="0" hangingPunct="1">
-                        <a:lnSpc>
-                          <a:spcPct val="100000"/>
-                        </a:lnSpc>
-                        <a:spcBef>
-                          <a:spcPts val="0"/>
-                        </a:spcBef>
-                        <a:spcAft>
-                          <a:spcPts val="0"/>
-                        </a:spcAft>
-                        <a:buClrTx/>
-                        <a:buSzTx/>
-                        <a:buFontTx/>
-                        <a:buNone/>
-                        <a:tabLst/>
-                        <a:defRPr/>
-                      </a:pPr>
-                      <a:r>
-                        <a:rPr lang="en-US" b="0" dirty="0" smtClean="0">
-                          <a:latin typeface="+mn-lt"/>
-                        </a:rPr>
-                        <a:t>Windows Server + IIS</a:t>
-                      </a:r>
-                    </a:p>
-                    <a:p>
-                      <a:pPr marL="0" marR="0" indent="0" algn="l" defTabSz="932742" rtl="0" eaLnBrk="1" fontAlgn="auto" latinLnBrk="0" hangingPunct="1">
-                        <a:lnSpc>
-                          <a:spcPct val="100000"/>
-                        </a:lnSpc>
-                        <a:spcBef>
-                          <a:spcPts val="0"/>
-                        </a:spcBef>
-                        <a:spcAft>
-                          <a:spcPts val="0"/>
-                        </a:spcAft>
-                        <a:buClrTx/>
-                        <a:buSzTx/>
-                        <a:buFontTx/>
-                        <a:buNone/>
-                        <a:tabLst/>
-                        <a:defRPr/>
-                      </a:pPr>
-                      <a:r>
-                        <a:rPr lang="en-US" b="0" dirty="0" smtClean="0">
-                          <a:latin typeface="+mn-lt"/>
-                        </a:rPr>
-                        <a:t>Web Forms + MVC + HTML+ CSS</a:t>
-                      </a:r>
-                      <a:r>
-                        <a:rPr lang="en-US" b="0" baseline="0" dirty="0" smtClean="0">
-                          <a:latin typeface="+mn-lt"/>
-                        </a:rPr>
-                        <a:t> + JavaScript</a:t>
-                      </a:r>
-                    </a:p>
-                    <a:p>
-                      <a:pPr marL="0" marR="0" indent="0" algn="l" defTabSz="932742" rtl="0" eaLnBrk="1" fontAlgn="auto" latinLnBrk="0" hangingPunct="1">
-                        <a:lnSpc>
-                          <a:spcPct val="100000"/>
-                        </a:lnSpc>
-                        <a:spcBef>
-                          <a:spcPts val="0"/>
-                        </a:spcBef>
-                        <a:spcAft>
-                          <a:spcPts val="0"/>
-                        </a:spcAft>
-                        <a:buClrTx/>
-                        <a:buSzTx/>
-                        <a:buFontTx/>
-                        <a:buNone/>
-                        <a:tabLst/>
-                        <a:defRPr/>
-                      </a:pPr>
-                      <a:r>
-                        <a:rPr lang="en-US" b="0" dirty="0" smtClean="0">
-                          <a:latin typeface="+mn-lt"/>
-                        </a:rPr>
-                        <a:t>Visual Studio Tooling</a:t>
-                      </a:r>
-                    </a:p>
-                  </a:txBody>
-                  <a:tcPr marL="182880" marR="182880" marT="91440" marB="91440">
-                    <a:lnL w="9525" cap="flat" cmpd="sng" algn="ctr">
-                      <a:solidFill>
-                        <a:srgbClr val="FFFFFF"/>
-                      </a:solidFill>
-                      <a:prstDash val="solid"/>
-                      <a:round/>
-                      <a:headEnd type="none" w="med" len="med"/>
-                      <a:tailEnd type="none" w="med" len="med"/>
-                    </a:lnL>
-                    <a:lnR w="9525" cap="flat" cmpd="sng" algn="ctr">
-                      <a:solidFill>
-                        <a:srgbClr val="FFFFFF"/>
-                      </a:solidFill>
-                      <a:prstDash val="solid"/>
-                      <a:round/>
-                      <a:headEnd type="none" w="med" len="med"/>
-                      <a:tailEnd type="none" w="med" len="med"/>
-                    </a:lnR>
-                    <a:lnT w="9525" cap="flat" cmpd="sng" algn="ctr">
-                      <a:solidFill>
-                        <a:srgbClr val="FFFFFF"/>
-                      </a:solidFill>
-                      <a:prstDash val="solid"/>
-                      <a:round/>
-                      <a:headEnd type="none" w="med" len="med"/>
-                      <a:tailEnd type="none" w="med" len="med"/>
-                    </a:lnT>
-                    <a:lnB w="9525" cap="flat" cmpd="sng" algn="ctr">
-                      <a:solidFill>
-                        <a:srgbClr val="FFFFFF"/>
-                      </a:solidFill>
-                      <a:prstDash val="solid"/>
-                      <a:round/>
-                      <a:headEnd type="none" w="med" len="med"/>
-                      <a:tailEnd type="none" w="med" len="med"/>
-                    </a:lnB>
-                    <a:lnTlToBr w="12700" cmpd="sng">
-                      <a:noFill/>
-                      <a:prstDash val="solid"/>
-                    </a:lnTlToBr>
-                    <a:lnBlToTr w="12700" cmpd="sng">
-                      <a:noFill/>
-                      <a:prstDash val="solid"/>
-                    </a:lnBlToTr>
-                    <a:solidFill>
-                      <a:srgbClr val="F5F5F5"/>
-                    </a:solidFill>
-                  </a:tcPr>
-                </a:tc>
-                <a:tc>
-                  <a:txBody>
-                    <a:bodyPr/>
-                    <a:lstStyle/>
-                    <a:p>
-                      <a:pPr marL="0" marR="0" indent="0" algn="l" defTabSz="932742" rtl="0" eaLnBrk="1" fontAlgn="auto" latinLnBrk="0" hangingPunct="1">
-                        <a:lnSpc>
-                          <a:spcPct val="100000"/>
-                        </a:lnSpc>
-                        <a:spcBef>
-                          <a:spcPts val="0"/>
-                        </a:spcBef>
-                        <a:spcAft>
-                          <a:spcPts val="0"/>
-                        </a:spcAft>
-                        <a:buClrTx/>
-                        <a:buSzTx/>
-                        <a:buFontTx/>
-                        <a:buNone/>
-                        <a:tabLst/>
-                        <a:defRPr/>
-                      </a:pPr>
-                      <a:r>
-                        <a:rPr lang="en-US" sz="1800" b="0" dirty="0" smtClean="0">
-                          <a:latin typeface="+mn-lt"/>
-                        </a:rPr>
-                        <a:t>Azure Compute (Virtual Machines,</a:t>
-                      </a:r>
-                      <a:r>
-                        <a:rPr lang="en-US" sz="1800" b="0" baseline="0" dirty="0" smtClean="0">
-                          <a:latin typeface="+mn-lt"/>
-                        </a:rPr>
-                        <a:t> </a:t>
-                      </a:r>
-                      <a:r>
-                        <a:rPr lang="en-US" sz="1800" b="0" dirty="0" err="1" smtClean="0">
-                          <a:latin typeface="+mn-lt"/>
-                        </a:rPr>
-                        <a:t>WebSites</a:t>
-                      </a:r>
-                      <a:r>
-                        <a:rPr lang="en-US" sz="1800" b="0" dirty="0" smtClean="0">
-                          <a:latin typeface="+mn-lt"/>
-                        </a:rPr>
-                        <a:t>)</a:t>
-                      </a:r>
-                    </a:p>
-                    <a:p>
-                      <a:pPr marL="0" marR="0" indent="0" algn="l" defTabSz="932742" rtl="0" eaLnBrk="1" fontAlgn="auto" latinLnBrk="0" hangingPunct="1">
-                        <a:lnSpc>
-                          <a:spcPct val="100000"/>
-                        </a:lnSpc>
-                        <a:spcBef>
-                          <a:spcPts val="0"/>
-                        </a:spcBef>
-                        <a:spcAft>
-                          <a:spcPts val="0"/>
-                        </a:spcAft>
-                        <a:buClrTx/>
-                        <a:buSzTx/>
-                        <a:buFontTx/>
-                        <a:buNone/>
-                        <a:tabLst/>
-                        <a:defRPr/>
-                      </a:pPr>
-                      <a:r>
-                        <a:rPr lang="en-US" sz="1800" b="0" dirty="0" smtClean="0">
-                          <a:latin typeface="+mn-lt"/>
-                        </a:rPr>
-                        <a:t>Distributed Session State,</a:t>
-                      </a:r>
-                      <a:r>
-                        <a:rPr lang="en-US" sz="1800" b="0" baseline="0" dirty="0" smtClean="0">
-                          <a:latin typeface="+mn-lt"/>
-                        </a:rPr>
-                        <a:t> Output Cache</a:t>
-                      </a:r>
-                      <a:r>
-                        <a:rPr lang="en-US" sz="1800" b="0" dirty="0" smtClean="0">
-                          <a:latin typeface="+mn-lt"/>
-                        </a:rPr>
-                        <a:t>  </a:t>
-                      </a:r>
-                    </a:p>
-                    <a:p>
-                      <a:pPr marL="0" marR="0" indent="0" algn="l" defTabSz="932742" rtl="0" eaLnBrk="1" fontAlgn="auto" latinLnBrk="0" hangingPunct="1">
-                        <a:lnSpc>
-                          <a:spcPct val="100000"/>
-                        </a:lnSpc>
-                        <a:spcBef>
-                          <a:spcPts val="0"/>
-                        </a:spcBef>
-                        <a:spcAft>
-                          <a:spcPts val="0"/>
-                        </a:spcAft>
-                        <a:buClrTx/>
-                        <a:buSzTx/>
-                        <a:buFontTx/>
-                        <a:buNone/>
-                        <a:tabLst/>
-                        <a:defRPr/>
-                      </a:pPr>
-                      <a:endParaRPr lang="en-US" sz="1800" b="0" baseline="0" dirty="0" smtClean="0">
-                        <a:latin typeface="+mn-lt"/>
-                      </a:endParaRPr>
-                    </a:p>
-                    <a:p>
-                      <a:pPr marL="0" marR="0" indent="0" algn="l" defTabSz="932742" rtl="0" eaLnBrk="1" fontAlgn="auto" latinLnBrk="0" hangingPunct="1">
-                        <a:lnSpc>
-                          <a:spcPct val="100000"/>
-                        </a:lnSpc>
-                        <a:spcBef>
-                          <a:spcPts val="0"/>
-                        </a:spcBef>
-                        <a:spcAft>
-                          <a:spcPts val="0"/>
-                        </a:spcAft>
-                        <a:buClrTx/>
-                        <a:buSzTx/>
-                        <a:buFontTx/>
-                        <a:buNone/>
-                        <a:tabLst/>
-                        <a:defRPr/>
-                      </a:pPr>
-                      <a:r>
-                        <a:rPr lang="en-US" sz="1800" b="0" baseline="0" dirty="0" smtClean="0">
-                          <a:latin typeface="+mn-lt"/>
-                        </a:rPr>
-                        <a:t>Rich Azure Tooling Integration</a:t>
-                      </a:r>
-                      <a:endParaRPr lang="en-US" sz="1800" b="0" dirty="0" smtClean="0">
-                        <a:latin typeface="+mn-lt"/>
-                      </a:endParaRPr>
-                    </a:p>
-                  </a:txBody>
-                  <a:tcPr marL="182880" marR="182880" marT="91440" marB="91440">
-                    <a:lnL w="9525" cap="flat" cmpd="sng" algn="ctr">
-                      <a:solidFill>
-                        <a:srgbClr val="FFFFFF"/>
-                      </a:solidFill>
-                      <a:prstDash val="solid"/>
-                      <a:round/>
-                      <a:headEnd type="none" w="med" len="med"/>
-                      <a:tailEnd type="none" w="med" len="med"/>
-                    </a:lnL>
-                    <a:lnR w="9525" cap="flat" cmpd="sng" algn="ctr">
-                      <a:solidFill>
-                        <a:srgbClr val="FFFFFF"/>
-                      </a:solidFill>
-                      <a:prstDash val="solid"/>
-                      <a:round/>
-                      <a:headEnd type="none" w="med" len="med"/>
-                      <a:tailEnd type="none" w="med" len="med"/>
-                    </a:lnR>
-                    <a:lnT w="9525" cap="flat" cmpd="sng" algn="ctr">
-                      <a:solidFill>
-                        <a:srgbClr val="FFFFFF"/>
-                      </a:solidFill>
-                      <a:prstDash val="solid"/>
-                      <a:round/>
-                      <a:headEnd type="none" w="med" len="med"/>
-                      <a:tailEnd type="none" w="med" len="med"/>
-                    </a:lnT>
-                    <a:lnB w="9525" cap="flat" cmpd="sng" algn="ctr">
-                      <a:solidFill>
-                        <a:srgbClr val="FFFFFF"/>
-                      </a:solidFill>
-                      <a:prstDash val="solid"/>
-                      <a:round/>
-                      <a:headEnd type="none" w="med" len="med"/>
-                      <a:tailEnd type="none" w="med" len="med"/>
-                    </a:lnB>
-                    <a:lnTlToBr w="12700" cmpd="sng">
-                      <a:noFill/>
-                      <a:prstDash val="solid"/>
-                    </a:lnTlToBr>
-                    <a:lnBlToTr w="12700" cmpd="sng">
-                      <a:noFill/>
-                      <a:prstDash val="solid"/>
-                    </a:lnBlToTr>
-                    <a:solidFill>
-                      <a:srgbClr val="F5F5F5"/>
-                    </a:solidFill>
-                  </a:tcPr>
-                </a:tc>
-              </a:tr>
-              <a:tr h="563861">
-                <a:tc>
-                  <a:txBody>
-                    <a:bodyPr/>
-                    <a:lstStyle/>
-                    <a:p>
-                      <a:pPr marL="0" marR="0" indent="0" algn="l" defTabSz="932742" rtl="0" eaLnBrk="1" fontAlgn="auto" latinLnBrk="0" hangingPunct="1">
-                        <a:lnSpc>
-                          <a:spcPct val="100000"/>
-                        </a:lnSpc>
-                        <a:spcBef>
-                          <a:spcPts val="0"/>
-                        </a:spcBef>
-                        <a:spcAft>
-                          <a:spcPts val="0"/>
-                        </a:spcAft>
-                        <a:buClrTx/>
-                        <a:buSzTx/>
-                        <a:buFontTx/>
-                        <a:buNone/>
-                        <a:tabLst/>
-                        <a:defRPr/>
-                      </a:pPr>
-                      <a:r>
-                        <a:rPr lang="en-US" sz="1800" b="0" i="0" u="none" kern="1200" dirty="0" smtClean="0">
-                          <a:solidFill>
-                            <a:schemeClr val="bg1"/>
-                          </a:solidFill>
-                          <a:latin typeface="+mn-lt"/>
-                          <a:ea typeface="+mn-ea"/>
-                          <a:cs typeface="+mn-cs"/>
-                        </a:rPr>
-                        <a:t>Identity</a:t>
-                      </a:r>
-                    </a:p>
-                  </a:txBody>
-                  <a:tcPr marL="182880" marR="182880" marT="91440" marB="91440">
-                    <a:lnL w="9525" cap="flat" cmpd="sng" algn="ctr">
-                      <a:solidFill>
-                        <a:srgbClr val="FFFFFF"/>
-                      </a:solidFill>
-                      <a:prstDash val="solid"/>
-                      <a:round/>
-                      <a:headEnd type="none" w="med" len="med"/>
-                      <a:tailEnd type="none" w="med" len="med"/>
-                    </a:lnL>
-                    <a:lnR w="9525" cap="flat" cmpd="sng" algn="ctr">
-                      <a:solidFill>
-                        <a:srgbClr val="FFFFFF"/>
-                      </a:solidFill>
-                      <a:prstDash val="solid"/>
-                      <a:round/>
-                      <a:headEnd type="none" w="med" len="med"/>
-                      <a:tailEnd type="none" w="med" len="med"/>
-                    </a:lnR>
-                    <a:lnT w="9525" cap="flat" cmpd="sng" algn="ctr">
-                      <a:solidFill>
-                        <a:srgbClr val="FFFFFF"/>
-                      </a:solidFill>
-                      <a:prstDash val="solid"/>
-                      <a:round/>
-                      <a:headEnd type="none" w="med" len="med"/>
-                      <a:tailEnd type="none" w="med" len="med"/>
-                    </a:lnT>
-                    <a:lnB w="9525" cap="flat" cmpd="sng" algn="ctr">
-                      <a:solidFill>
-                        <a:srgbClr val="FFFFFF"/>
-                      </a:solidFill>
-                      <a:prstDash val="solid"/>
-                      <a:round/>
-                      <a:headEnd type="none" w="med" len="med"/>
-                      <a:tailEnd type="none" w="med" len="med"/>
-                    </a:lnB>
-                    <a:lnTlToBr w="12700" cmpd="sng">
-                      <a:noFill/>
-                      <a:prstDash val="solid"/>
-                    </a:lnTlToBr>
-                    <a:lnBlToTr w="12700" cmpd="sng">
-                      <a:noFill/>
-                      <a:prstDash val="solid"/>
-                    </a:lnBlToTr>
-                    <a:solidFill>
-                      <a:srgbClr val="F5F5F5"/>
-                    </a:solidFill>
-                  </a:tcPr>
-                </a:tc>
-                <a:tc>
-                  <a:txBody>
-                    <a:bodyPr/>
-                    <a:lstStyle/>
-                    <a:p>
-                      <a:r>
-                        <a:rPr lang="en-US" dirty="0" smtClean="0"/>
-                        <a:t>Active</a:t>
-                      </a:r>
-                      <a:r>
-                        <a:rPr lang="en-US" baseline="0" dirty="0" smtClean="0"/>
-                        <a:t> Directory</a:t>
-                      </a:r>
-                      <a:endParaRPr lang="en-US" dirty="0"/>
-                    </a:p>
-                  </a:txBody>
-                  <a:tcPr marL="182880" marR="182880" marT="91440" marB="91440">
-                    <a:lnL w="9525" cap="flat" cmpd="sng" algn="ctr">
-                      <a:solidFill>
-                        <a:srgbClr val="FFFFFF"/>
-                      </a:solidFill>
-                      <a:prstDash val="solid"/>
-                      <a:round/>
-                      <a:headEnd type="none" w="med" len="med"/>
-                      <a:tailEnd type="none" w="med" len="med"/>
-                    </a:lnL>
-                    <a:lnR w="9525" cap="flat" cmpd="sng" algn="ctr">
-                      <a:solidFill>
-                        <a:srgbClr val="FFFFFF"/>
-                      </a:solidFill>
-                      <a:prstDash val="solid"/>
-                      <a:round/>
-                      <a:headEnd type="none" w="med" len="med"/>
-                      <a:tailEnd type="none" w="med" len="med"/>
-                    </a:lnR>
-                    <a:lnT w="9525" cap="flat" cmpd="sng" algn="ctr">
-                      <a:solidFill>
-                        <a:srgbClr val="FFFFFF"/>
-                      </a:solidFill>
-                      <a:prstDash val="solid"/>
-                      <a:round/>
-                      <a:headEnd type="none" w="med" len="med"/>
-                      <a:tailEnd type="none" w="med" len="med"/>
-                    </a:lnT>
-                    <a:lnB w="9525" cap="flat" cmpd="sng" algn="ctr">
-                      <a:solidFill>
-                        <a:srgbClr val="FFFFFF"/>
-                      </a:solidFill>
-                      <a:prstDash val="solid"/>
-                      <a:round/>
-                      <a:headEnd type="none" w="med" len="med"/>
-                      <a:tailEnd type="none" w="med" len="med"/>
-                    </a:lnB>
-                    <a:lnTlToBr w="12700" cmpd="sng">
-                      <a:noFill/>
-                      <a:prstDash val="solid"/>
-                    </a:lnTlToBr>
-                    <a:lnBlToTr w="12700" cmpd="sng">
-                      <a:noFill/>
-                      <a:prstDash val="solid"/>
-                    </a:lnBlToTr>
-                    <a:solidFill>
-                      <a:srgbClr val="F5F5F5"/>
-                    </a:solidFill>
-                  </a:tcPr>
-                </a:tc>
-                <a:tc>
-                  <a:txBody>
-                    <a:bodyPr/>
-                    <a:lstStyle/>
-                    <a:p>
-                      <a:r>
-                        <a:rPr lang="en-US" sz="1800" b="0" dirty="0" smtClean="0">
-                          <a:latin typeface="+mn-lt"/>
-                        </a:rPr>
-                        <a:t>Azure Active Directory</a:t>
-                      </a:r>
-                      <a:endParaRPr lang="en-US" b="0" dirty="0"/>
-                    </a:p>
-                  </a:txBody>
-                  <a:tcPr marL="182880" marR="182880" marT="91440" marB="91440">
-                    <a:lnL w="9525" cap="flat" cmpd="sng" algn="ctr">
-                      <a:solidFill>
-                        <a:srgbClr val="FFFFFF"/>
-                      </a:solidFill>
-                      <a:prstDash val="solid"/>
-                      <a:round/>
-                      <a:headEnd type="none" w="med" len="med"/>
-                      <a:tailEnd type="none" w="med" len="med"/>
-                    </a:lnL>
-                    <a:lnR w="9525" cap="flat" cmpd="sng" algn="ctr">
-                      <a:solidFill>
-                        <a:srgbClr val="FFFFFF"/>
-                      </a:solidFill>
-                      <a:prstDash val="solid"/>
-                      <a:round/>
-                      <a:headEnd type="none" w="med" len="med"/>
-                      <a:tailEnd type="none" w="med" len="med"/>
-                    </a:lnR>
-                    <a:lnT w="9525" cap="flat" cmpd="sng" algn="ctr">
-                      <a:solidFill>
-                        <a:srgbClr val="FFFFFF"/>
-                      </a:solidFill>
-                      <a:prstDash val="solid"/>
-                      <a:round/>
-                      <a:headEnd type="none" w="med" len="med"/>
-                      <a:tailEnd type="none" w="med" len="med"/>
-                    </a:lnT>
-                    <a:lnB w="9525" cap="flat" cmpd="sng" algn="ctr">
-                      <a:solidFill>
-                        <a:srgbClr val="FFFFFF"/>
-                      </a:solidFill>
-                      <a:prstDash val="solid"/>
-                      <a:round/>
-                      <a:headEnd type="none" w="med" len="med"/>
-                      <a:tailEnd type="none" w="med" len="med"/>
-                    </a:lnB>
-                    <a:lnTlToBr w="12700" cmpd="sng">
-                      <a:noFill/>
-                      <a:prstDash val="solid"/>
-                    </a:lnTlToBr>
-                    <a:lnBlToTr w="12700" cmpd="sng">
-                      <a:noFill/>
-                      <a:prstDash val="solid"/>
-                    </a:lnBlToTr>
-                    <a:solidFill>
-                      <a:srgbClr val="F5F5F5"/>
-                    </a:solidFill>
-                  </a:tcPr>
-                </a:tc>
-              </a:tr>
-              <a:tr h="533400">
-                <a:tc>
-                  <a:txBody>
-                    <a:bodyPr/>
-                    <a:lstStyle/>
-                    <a:p>
-                      <a:pPr marL="0" marR="0" indent="0" algn="l" defTabSz="932742" rtl="0" eaLnBrk="1" fontAlgn="auto" latinLnBrk="0" hangingPunct="1">
-                        <a:lnSpc>
-                          <a:spcPct val="100000"/>
-                        </a:lnSpc>
-                        <a:spcBef>
-                          <a:spcPts val="0"/>
-                        </a:spcBef>
-                        <a:spcAft>
-                          <a:spcPts val="0"/>
-                        </a:spcAft>
-                        <a:buClrTx/>
-                        <a:buSzTx/>
-                        <a:buFontTx/>
-                        <a:buNone/>
-                        <a:tabLst/>
-                        <a:defRPr/>
-                      </a:pPr>
-                      <a:r>
-                        <a:rPr lang="en-US" sz="1800" dirty="0" smtClean="0"/>
-                        <a:t>Web API</a:t>
-                      </a:r>
-                      <a:endParaRPr lang="en-US" sz="1800" b="1" i="1" u="none" kern="1200" dirty="0" smtClean="0">
-                        <a:solidFill>
-                          <a:schemeClr val="accent1"/>
-                        </a:solidFill>
-                        <a:latin typeface="+mn-lt"/>
-                        <a:ea typeface="+mn-ea"/>
-                        <a:cs typeface="+mn-cs"/>
-                      </a:endParaRPr>
-                    </a:p>
-                  </a:txBody>
-                  <a:tcPr marL="182880" marR="182880" marT="91440" marB="91440">
-                    <a:lnL w="9525" cap="flat" cmpd="sng" algn="ctr">
-                      <a:solidFill>
-                        <a:srgbClr val="FFFFFF"/>
-                      </a:solidFill>
-                      <a:prstDash val="solid"/>
-                      <a:round/>
-                      <a:headEnd type="none" w="med" len="med"/>
-                      <a:tailEnd type="none" w="med" len="med"/>
-                    </a:lnL>
-                    <a:lnR w="9525" cap="flat" cmpd="sng" algn="ctr">
-                      <a:solidFill>
-                        <a:srgbClr val="FFFFFF"/>
-                      </a:solidFill>
-                      <a:prstDash val="solid"/>
-                      <a:round/>
-                      <a:headEnd type="none" w="med" len="med"/>
-                      <a:tailEnd type="none" w="med" len="med"/>
-                    </a:lnR>
-                    <a:lnT w="9525" cap="flat" cmpd="sng" algn="ctr">
-                      <a:solidFill>
-                        <a:srgbClr val="FFFFFF"/>
-                      </a:solidFill>
-                      <a:prstDash val="solid"/>
-                      <a:round/>
-                      <a:headEnd type="none" w="med" len="med"/>
-                      <a:tailEnd type="none" w="med" len="med"/>
-                    </a:lnT>
-                    <a:lnB w="9525" cap="flat" cmpd="sng" algn="ctr">
-                      <a:solidFill>
-                        <a:srgbClr val="FFFFFF"/>
-                      </a:solidFill>
-                      <a:prstDash val="solid"/>
-                      <a:round/>
-                      <a:headEnd type="none" w="med" len="med"/>
-                      <a:tailEnd type="none" w="med" len="med"/>
-                    </a:lnB>
-                    <a:lnTlToBr w="12700" cmpd="sng">
-                      <a:noFill/>
-                      <a:prstDash val="solid"/>
-                    </a:lnTlToBr>
-                    <a:lnBlToTr w="12700" cmpd="sng">
-                      <a:noFill/>
-                      <a:prstDash val="solid"/>
-                    </a:lnBlToTr>
-                    <a:solidFill>
-                      <a:srgbClr val="F5F5F5"/>
-                    </a:solidFill>
-                  </a:tcPr>
-                </a:tc>
-                <a:tc>
-                  <a:txBody>
-                    <a:bodyPr/>
-                    <a:lstStyle/>
-                    <a:p>
-                      <a:r>
-                        <a:rPr lang="en-US" dirty="0" smtClean="0"/>
-                        <a:t>Web</a:t>
-                      </a:r>
-                      <a:r>
-                        <a:rPr lang="en-US" baseline="0" dirty="0" smtClean="0"/>
-                        <a:t> API</a:t>
-                      </a:r>
-                      <a:endParaRPr lang="en-US" dirty="0"/>
-                    </a:p>
-                  </a:txBody>
-                  <a:tcPr marL="182880" marR="182880" marT="91440" marB="91440">
-                    <a:lnL w="9525" cap="flat" cmpd="sng" algn="ctr">
-                      <a:solidFill>
-                        <a:srgbClr val="FFFFFF"/>
-                      </a:solidFill>
-                      <a:prstDash val="solid"/>
-                      <a:round/>
-                      <a:headEnd type="none" w="med" len="med"/>
-                      <a:tailEnd type="none" w="med" len="med"/>
-                    </a:lnL>
-                    <a:lnR w="9525" cap="flat" cmpd="sng" algn="ctr">
-                      <a:solidFill>
-                        <a:srgbClr val="FFFFFF"/>
-                      </a:solidFill>
-                      <a:prstDash val="solid"/>
-                      <a:round/>
-                      <a:headEnd type="none" w="med" len="med"/>
-                      <a:tailEnd type="none" w="med" len="med"/>
-                    </a:lnR>
-                    <a:lnT w="9525" cap="flat" cmpd="sng" algn="ctr">
-                      <a:solidFill>
-                        <a:srgbClr val="FFFFFF"/>
-                      </a:solidFill>
-                      <a:prstDash val="solid"/>
-                      <a:round/>
-                      <a:headEnd type="none" w="med" len="med"/>
-                      <a:tailEnd type="none" w="med" len="med"/>
-                    </a:lnT>
-                    <a:lnB w="9525" cap="flat" cmpd="sng" algn="ctr">
-                      <a:solidFill>
-                        <a:srgbClr val="FFFFFF"/>
-                      </a:solidFill>
-                      <a:prstDash val="solid"/>
-                      <a:round/>
-                      <a:headEnd type="none" w="med" len="med"/>
-                      <a:tailEnd type="none" w="med" len="med"/>
-                    </a:lnB>
-                    <a:lnTlToBr w="12700" cmpd="sng">
-                      <a:noFill/>
-                      <a:prstDash val="solid"/>
-                    </a:lnTlToBr>
-                    <a:lnBlToTr w="12700" cmpd="sng">
-                      <a:noFill/>
-                      <a:prstDash val="solid"/>
-                    </a:lnBlToTr>
-                    <a:solidFill>
-                      <a:srgbClr val="F5F5F5"/>
-                    </a:solidFill>
-                  </a:tcPr>
-                </a:tc>
-                <a:tc>
-                  <a:txBody>
-                    <a:bodyPr/>
-                    <a:lstStyle/>
-                    <a:p>
-                      <a:r>
-                        <a:rPr lang="en-US" b="0" dirty="0" smtClean="0"/>
-                        <a:t>API Management, Mobile, Notification Service</a:t>
-                      </a:r>
-                      <a:endParaRPr lang="en-US" b="0" dirty="0"/>
-                    </a:p>
-                  </a:txBody>
-                  <a:tcPr marL="182880" marR="182880" marT="91440" marB="91440">
-                    <a:lnL w="9525" cap="flat" cmpd="sng" algn="ctr">
-                      <a:solidFill>
-                        <a:srgbClr val="FFFFFF"/>
-                      </a:solidFill>
-                      <a:prstDash val="solid"/>
-                      <a:round/>
-                      <a:headEnd type="none" w="med" len="med"/>
-                      <a:tailEnd type="none" w="med" len="med"/>
-                    </a:lnL>
-                    <a:lnR w="9525" cap="flat" cmpd="sng" algn="ctr">
-                      <a:solidFill>
-                        <a:srgbClr val="FFFFFF"/>
-                      </a:solidFill>
-                      <a:prstDash val="solid"/>
-                      <a:round/>
-                      <a:headEnd type="none" w="med" len="med"/>
-                      <a:tailEnd type="none" w="med" len="med"/>
-                    </a:lnR>
-                    <a:lnT w="9525" cap="flat" cmpd="sng" algn="ctr">
-                      <a:solidFill>
-                        <a:srgbClr val="FFFFFF"/>
-                      </a:solidFill>
-                      <a:prstDash val="solid"/>
-                      <a:round/>
-                      <a:headEnd type="none" w="med" len="med"/>
-                      <a:tailEnd type="none" w="med" len="med"/>
-                    </a:lnT>
-                    <a:lnB w="9525" cap="flat" cmpd="sng" algn="ctr">
-                      <a:solidFill>
-                        <a:srgbClr val="FFFFFF"/>
-                      </a:solidFill>
-                      <a:prstDash val="solid"/>
-                      <a:round/>
-                      <a:headEnd type="none" w="med" len="med"/>
-                      <a:tailEnd type="none" w="med" len="med"/>
-                    </a:lnB>
-                    <a:lnTlToBr w="12700" cmpd="sng">
-                      <a:noFill/>
-                      <a:prstDash val="solid"/>
-                    </a:lnTlToBr>
-                    <a:lnBlToTr w="12700" cmpd="sng">
-                      <a:noFill/>
-                      <a:prstDash val="solid"/>
-                    </a:lnBlToTr>
-                    <a:solidFill>
-                      <a:srgbClr val="F5F5F5"/>
-                    </a:solidFill>
-                  </a:tcPr>
-                </a:tc>
-              </a:tr>
-              <a:tr h="563880">
-                <a:tc>
-                  <a:txBody>
-                    <a:bodyPr/>
-                    <a:lstStyle/>
-                    <a:p>
-                      <a:pPr marL="0" marR="0" indent="0" algn="l" defTabSz="932742" rtl="0" eaLnBrk="1" fontAlgn="auto" latinLnBrk="0" hangingPunct="1">
-                        <a:lnSpc>
-                          <a:spcPct val="100000"/>
-                        </a:lnSpc>
-                        <a:spcBef>
-                          <a:spcPts val="0"/>
-                        </a:spcBef>
-                        <a:spcAft>
-                          <a:spcPts val="0"/>
-                        </a:spcAft>
-                        <a:buClrTx/>
-                        <a:buSzTx/>
-                        <a:buFontTx/>
-                        <a:buNone/>
-                        <a:tabLst/>
-                        <a:defRPr/>
-                      </a:pPr>
-                      <a:r>
-                        <a:rPr lang="en-US" sz="1800" b="0" i="0" u="none" kern="1200" dirty="0" smtClean="0">
-                          <a:solidFill>
-                            <a:schemeClr val="bg1"/>
-                          </a:solidFill>
-                          <a:latin typeface="+mn-lt"/>
-                          <a:ea typeface="+mn-ea"/>
-                          <a:cs typeface="+mn-cs"/>
-                        </a:rPr>
-                        <a:t>Jobs</a:t>
-                      </a:r>
-                    </a:p>
-                  </a:txBody>
-                  <a:tcPr marL="182880" marR="182880" marT="91440" marB="91440">
-                    <a:lnL w="9525" cap="flat" cmpd="sng" algn="ctr">
-                      <a:solidFill>
-                        <a:srgbClr val="FFFFFF"/>
-                      </a:solidFill>
-                      <a:prstDash val="solid"/>
-                      <a:round/>
-                      <a:headEnd type="none" w="med" len="med"/>
-                      <a:tailEnd type="none" w="med" len="med"/>
-                    </a:lnL>
-                    <a:lnR w="9525" cap="flat" cmpd="sng" algn="ctr">
-                      <a:solidFill>
-                        <a:srgbClr val="FFFFFF"/>
-                      </a:solidFill>
-                      <a:prstDash val="solid"/>
-                      <a:round/>
-                      <a:headEnd type="none" w="med" len="med"/>
-                      <a:tailEnd type="none" w="med" len="med"/>
-                    </a:lnR>
-                    <a:lnT w="9525" cap="flat" cmpd="sng" algn="ctr">
-                      <a:solidFill>
-                        <a:srgbClr val="FFFFFF"/>
-                      </a:solidFill>
-                      <a:prstDash val="solid"/>
-                      <a:round/>
-                      <a:headEnd type="none" w="med" len="med"/>
-                      <a:tailEnd type="none" w="med" len="med"/>
-                    </a:lnT>
-                    <a:lnB w="9525" cap="flat" cmpd="sng" algn="ctr">
-                      <a:solidFill>
-                        <a:srgbClr val="FFFFFF"/>
-                      </a:solidFill>
-                      <a:prstDash val="solid"/>
-                      <a:round/>
-                      <a:headEnd type="none" w="med" len="med"/>
-                      <a:tailEnd type="none" w="med" len="med"/>
-                    </a:lnB>
-                    <a:lnTlToBr w="12700" cmpd="sng">
-                      <a:noFill/>
-                      <a:prstDash val="solid"/>
-                    </a:lnTlToBr>
-                    <a:lnBlToTr w="12700" cmpd="sng">
-                      <a:noFill/>
-                      <a:prstDash val="solid"/>
-                    </a:lnBlToTr>
-                    <a:solidFill>
-                      <a:srgbClr val="F5F5F5"/>
-                    </a:solidFill>
-                  </a:tcPr>
-                </a:tc>
-                <a:tc>
-                  <a:txBody>
-                    <a:bodyPr/>
-                    <a:lstStyle/>
-                    <a:p>
-                      <a:r>
-                        <a:rPr lang="en-US" dirty="0" smtClean="0"/>
-                        <a:t>Console,</a:t>
-                      </a:r>
-                      <a:r>
-                        <a:rPr lang="en-US" baseline="0" dirty="0" smtClean="0"/>
-                        <a:t> </a:t>
-                      </a:r>
-                      <a:r>
-                        <a:rPr lang="en-US" dirty="0" smtClean="0"/>
-                        <a:t>Service </a:t>
-                      </a:r>
-                      <a:endParaRPr lang="en-US" dirty="0"/>
-                    </a:p>
-                  </a:txBody>
-                  <a:tcPr marL="182880" marR="182880" marT="91440" marB="91440">
-                    <a:lnL w="9525" cap="flat" cmpd="sng" algn="ctr">
-                      <a:solidFill>
-                        <a:srgbClr val="FFFFFF"/>
-                      </a:solidFill>
-                      <a:prstDash val="solid"/>
-                      <a:round/>
-                      <a:headEnd type="none" w="med" len="med"/>
-                      <a:tailEnd type="none" w="med" len="med"/>
-                    </a:lnL>
-                    <a:lnR w="9525" cap="flat" cmpd="sng" algn="ctr">
-                      <a:solidFill>
-                        <a:srgbClr val="FFFFFF"/>
-                      </a:solidFill>
-                      <a:prstDash val="solid"/>
-                      <a:round/>
-                      <a:headEnd type="none" w="med" len="med"/>
-                      <a:tailEnd type="none" w="med" len="med"/>
-                    </a:lnR>
-                    <a:lnT w="9525" cap="flat" cmpd="sng" algn="ctr">
-                      <a:solidFill>
-                        <a:srgbClr val="FFFFFF"/>
-                      </a:solidFill>
-                      <a:prstDash val="solid"/>
-                      <a:round/>
-                      <a:headEnd type="none" w="med" len="med"/>
-                      <a:tailEnd type="none" w="med" len="med"/>
-                    </a:lnT>
-                    <a:lnB w="9525" cap="flat" cmpd="sng" algn="ctr">
-                      <a:solidFill>
-                        <a:srgbClr val="FFFFFF"/>
-                      </a:solidFill>
-                      <a:prstDash val="solid"/>
-                      <a:round/>
-                      <a:headEnd type="none" w="med" len="med"/>
-                      <a:tailEnd type="none" w="med" len="med"/>
-                    </a:lnB>
-                    <a:lnTlToBr w="12700" cmpd="sng">
-                      <a:noFill/>
-                      <a:prstDash val="solid"/>
-                    </a:lnTlToBr>
-                    <a:lnBlToTr w="12700" cmpd="sng">
-                      <a:noFill/>
-                      <a:prstDash val="solid"/>
-                    </a:lnBlToTr>
-                    <a:solidFill>
-                      <a:srgbClr val="F5F5F5"/>
-                    </a:solidFill>
-                  </a:tcPr>
-                </a:tc>
-                <a:tc>
-                  <a:txBody>
-                    <a:bodyPr/>
-                    <a:lstStyle/>
-                    <a:p>
-                      <a:r>
-                        <a:rPr lang="en-US" b="0" dirty="0" smtClean="0"/>
-                        <a:t>Web Jobs</a:t>
-                      </a:r>
-                      <a:endParaRPr lang="en-US" b="0" dirty="0"/>
-                    </a:p>
-                  </a:txBody>
-                  <a:tcPr marL="182880" marR="182880" marT="91440" marB="91440">
-                    <a:lnL w="9525" cap="flat" cmpd="sng" algn="ctr">
-                      <a:solidFill>
-                        <a:srgbClr val="FFFFFF"/>
-                      </a:solidFill>
-                      <a:prstDash val="solid"/>
-                      <a:round/>
-                      <a:headEnd type="none" w="med" len="med"/>
-                      <a:tailEnd type="none" w="med" len="med"/>
-                    </a:lnL>
-                    <a:lnR w="9525" cap="flat" cmpd="sng" algn="ctr">
-                      <a:solidFill>
-                        <a:srgbClr val="FFFFFF"/>
-                      </a:solidFill>
-                      <a:prstDash val="solid"/>
-                      <a:round/>
-                      <a:headEnd type="none" w="med" len="med"/>
-                      <a:tailEnd type="none" w="med" len="med"/>
-                    </a:lnR>
-                    <a:lnT w="9525" cap="flat" cmpd="sng" algn="ctr">
-                      <a:solidFill>
-                        <a:srgbClr val="FFFFFF"/>
-                      </a:solidFill>
-                      <a:prstDash val="solid"/>
-                      <a:round/>
-                      <a:headEnd type="none" w="med" len="med"/>
-                      <a:tailEnd type="none" w="med" len="med"/>
-                    </a:lnT>
-                    <a:lnB w="9525" cap="flat" cmpd="sng" algn="ctr">
-                      <a:solidFill>
-                        <a:srgbClr val="FFFFFF"/>
-                      </a:solidFill>
-                      <a:prstDash val="solid"/>
-                      <a:round/>
-                      <a:headEnd type="none" w="med" len="med"/>
-                      <a:tailEnd type="none" w="med" len="med"/>
-                    </a:lnB>
-                    <a:lnTlToBr w="12700" cmpd="sng">
-                      <a:noFill/>
-                      <a:prstDash val="solid"/>
-                    </a:lnTlToBr>
-                    <a:lnBlToTr w="12700" cmpd="sng">
-                      <a:noFill/>
-                      <a:prstDash val="solid"/>
-                    </a:lnBlToTr>
-                    <a:solidFill>
-                      <a:srgbClr val="F5F5F5"/>
-                    </a:solidFill>
-                  </a:tcPr>
-                </a:tc>
-              </a:tr>
-              <a:tr h="609600">
-                <a:tc>
-                  <a:txBody>
-                    <a:bodyPr/>
-                    <a:lstStyle/>
-                    <a:p>
-                      <a:r>
-                        <a:rPr lang="en-US" b="0" dirty="0" smtClean="0">
-                          <a:latin typeface="+mn-lt"/>
-                        </a:rPr>
-                        <a:t>Real Time</a:t>
-                      </a:r>
-                      <a:endParaRPr lang="en-US" b="0" dirty="0">
-                        <a:latin typeface="+mn-lt"/>
-                      </a:endParaRPr>
-                    </a:p>
-                  </a:txBody>
-                  <a:tcPr marL="182880" marR="182880" marT="91440" marB="91440">
-                    <a:lnL w="9525" cap="flat" cmpd="sng" algn="ctr">
-                      <a:solidFill>
-                        <a:srgbClr val="FFFFFF"/>
-                      </a:solidFill>
-                      <a:prstDash val="solid"/>
-                      <a:round/>
-                      <a:headEnd type="none" w="med" len="med"/>
-                      <a:tailEnd type="none" w="med" len="med"/>
-                    </a:lnL>
-                    <a:lnR w="9525" cap="flat" cmpd="sng" algn="ctr">
-                      <a:solidFill>
-                        <a:srgbClr val="FFFFFF"/>
-                      </a:solidFill>
-                      <a:prstDash val="solid"/>
-                      <a:round/>
-                      <a:headEnd type="none" w="med" len="med"/>
-                      <a:tailEnd type="none" w="med" len="med"/>
-                    </a:lnR>
-                    <a:lnT w="9525" cap="flat" cmpd="sng" algn="ctr">
-                      <a:solidFill>
-                        <a:srgbClr val="FFFFFF"/>
-                      </a:solidFill>
-                      <a:prstDash val="solid"/>
-                      <a:round/>
-                      <a:headEnd type="none" w="med" len="med"/>
-                      <a:tailEnd type="none" w="med" len="med"/>
-                    </a:lnT>
-                    <a:lnB w="9525" cap="flat" cmpd="sng" algn="ctr">
-                      <a:solidFill>
-                        <a:srgbClr val="FFFFFF"/>
-                      </a:solidFill>
-                      <a:prstDash val="solid"/>
-                      <a:round/>
-                      <a:headEnd type="none" w="med" len="med"/>
-                      <a:tailEnd type="none" w="med" len="med"/>
-                    </a:lnB>
-                    <a:lnTlToBr w="12700" cmpd="sng">
-                      <a:noFill/>
-                      <a:prstDash val="solid"/>
-                    </a:lnTlToBr>
-                    <a:lnBlToTr w="12700" cmpd="sng">
-                      <a:noFill/>
-                      <a:prstDash val="solid"/>
-                    </a:lnBlToTr>
-                    <a:solidFill>
-                      <a:srgbClr val="F5F5F5"/>
-                    </a:solidFill>
-                  </a:tcPr>
-                </a:tc>
-                <a:tc>
-                  <a:txBody>
-                    <a:bodyPr/>
-                    <a:lstStyle/>
-                    <a:p>
-                      <a:r>
-                        <a:rPr lang="en-US" dirty="0" err="1" smtClean="0"/>
-                        <a:t>SignalR</a:t>
-                      </a:r>
-                      <a:endParaRPr lang="en-US" dirty="0"/>
-                    </a:p>
-                  </a:txBody>
-                  <a:tcPr marL="182880" marR="182880" marT="91440" marB="91440">
-                    <a:lnL w="9525" cap="flat" cmpd="sng" algn="ctr">
-                      <a:solidFill>
-                        <a:srgbClr val="FFFFFF"/>
-                      </a:solidFill>
-                      <a:prstDash val="solid"/>
-                      <a:round/>
-                      <a:headEnd type="none" w="med" len="med"/>
-                      <a:tailEnd type="none" w="med" len="med"/>
-                    </a:lnL>
-                    <a:lnR w="9525" cap="flat" cmpd="sng" algn="ctr">
-                      <a:solidFill>
-                        <a:srgbClr val="FFFFFF"/>
-                      </a:solidFill>
-                      <a:prstDash val="solid"/>
-                      <a:round/>
-                      <a:headEnd type="none" w="med" len="med"/>
-                      <a:tailEnd type="none" w="med" len="med"/>
-                    </a:lnR>
-                    <a:lnT w="9525" cap="flat" cmpd="sng" algn="ctr">
-                      <a:solidFill>
-                        <a:srgbClr val="FFFFFF"/>
-                      </a:solidFill>
-                      <a:prstDash val="solid"/>
-                      <a:round/>
-                      <a:headEnd type="none" w="med" len="med"/>
-                      <a:tailEnd type="none" w="med" len="med"/>
-                    </a:lnT>
-                    <a:lnB w="9525" cap="flat" cmpd="sng" algn="ctr">
-                      <a:solidFill>
-                        <a:srgbClr val="FFFFFF"/>
-                      </a:solidFill>
-                      <a:prstDash val="solid"/>
-                      <a:round/>
-                      <a:headEnd type="none" w="med" len="med"/>
-                      <a:tailEnd type="none" w="med" len="med"/>
-                    </a:lnB>
-                    <a:lnTlToBr w="12700" cmpd="sng">
-                      <a:noFill/>
-                      <a:prstDash val="solid"/>
-                    </a:lnTlToBr>
-                    <a:lnBlToTr w="12700" cmpd="sng">
-                      <a:noFill/>
-                      <a:prstDash val="solid"/>
-                    </a:lnBlToTr>
-                    <a:solidFill>
-                      <a:srgbClr val="F5F5F5"/>
-                    </a:solidFill>
-                  </a:tcPr>
-                </a:tc>
-                <a:tc>
-                  <a:txBody>
-                    <a:bodyPr/>
-                    <a:lstStyle/>
-                    <a:p>
-                      <a:r>
-                        <a:rPr lang="en-US" dirty="0" smtClean="0"/>
-                        <a:t>Azure Service Bus or </a:t>
-                      </a:r>
-                      <a:r>
-                        <a:rPr lang="en-US" b="0" dirty="0" smtClean="0"/>
-                        <a:t>Redis Cache Backplane</a:t>
-                      </a:r>
-                      <a:r>
-                        <a:rPr lang="en-US" b="0" baseline="0" dirty="0" smtClean="0"/>
-                        <a:t> </a:t>
-                      </a:r>
-                      <a:endParaRPr lang="en-US" b="0" dirty="0"/>
-                    </a:p>
-                  </a:txBody>
-                  <a:tcPr marL="182880" marR="182880" marT="91440" marB="91440">
-                    <a:lnL w="9525" cap="flat" cmpd="sng" algn="ctr">
-                      <a:solidFill>
-                        <a:srgbClr val="FFFFFF"/>
-                      </a:solidFill>
-                      <a:prstDash val="solid"/>
-                      <a:round/>
-                      <a:headEnd type="none" w="med" len="med"/>
-                      <a:tailEnd type="none" w="med" len="med"/>
-                    </a:lnL>
-                    <a:lnR w="9525" cap="flat" cmpd="sng" algn="ctr">
-                      <a:solidFill>
-                        <a:srgbClr val="FFFFFF"/>
-                      </a:solidFill>
-                      <a:prstDash val="solid"/>
-                      <a:round/>
-                      <a:headEnd type="none" w="med" len="med"/>
-                      <a:tailEnd type="none" w="med" len="med"/>
-                    </a:lnR>
-                    <a:lnT w="9525" cap="flat" cmpd="sng" algn="ctr">
-                      <a:solidFill>
-                        <a:srgbClr val="FFFFFF"/>
-                      </a:solidFill>
-                      <a:prstDash val="solid"/>
-                      <a:round/>
-                      <a:headEnd type="none" w="med" len="med"/>
-                      <a:tailEnd type="none" w="med" len="med"/>
-                    </a:lnT>
-                    <a:lnB w="9525" cap="flat" cmpd="sng" algn="ctr">
-                      <a:solidFill>
-                        <a:srgbClr val="FFFFFF"/>
-                      </a:solidFill>
-                      <a:prstDash val="solid"/>
-                      <a:round/>
-                      <a:headEnd type="none" w="med" len="med"/>
-                      <a:tailEnd type="none" w="med" len="med"/>
-                    </a:lnB>
-                    <a:lnTlToBr w="12700" cmpd="sng">
-                      <a:noFill/>
-                      <a:prstDash val="solid"/>
-                    </a:lnTlToBr>
-                    <a:lnBlToTr w="12700" cmpd="sng">
-                      <a:noFill/>
-                      <a:prstDash val="solid"/>
-                    </a:lnBlToTr>
-                    <a:solidFill>
-                      <a:srgbClr val="F5F5F5"/>
-                    </a:solidFill>
-                  </a:tcPr>
-                </a:tc>
-              </a:tr>
-              <a:tr h="533400">
-                <a:tc>
-                  <a:txBody>
-                    <a:bodyPr/>
-                    <a:lstStyle/>
-                    <a:p>
-                      <a:r>
-                        <a:rPr lang="en-US" b="0" dirty="0" smtClean="0">
-                          <a:latin typeface="+mn-lt"/>
-                        </a:rPr>
-                        <a:t>Cache</a:t>
-                      </a:r>
-                      <a:endParaRPr lang="en-US" b="0" dirty="0">
-                        <a:latin typeface="+mn-lt"/>
-                      </a:endParaRPr>
-                    </a:p>
-                  </a:txBody>
-                  <a:tcPr marL="182880" marR="182880" marT="91440" marB="91440">
-                    <a:lnL w="9525" cap="flat" cmpd="sng" algn="ctr">
-                      <a:solidFill>
-                        <a:srgbClr val="FFFFFF"/>
-                      </a:solidFill>
-                      <a:prstDash val="solid"/>
-                      <a:round/>
-                      <a:headEnd type="none" w="med" len="med"/>
-                      <a:tailEnd type="none" w="med" len="med"/>
-                    </a:lnL>
-                    <a:lnR w="9525" cap="flat" cmpd="sng" algn="ctr">
-                      <a:solidFill>
-                        <a:srgbClr val="FFFFFF"/>
-                      </a:solidFill>
-                      <a:prstDash val="solid"/>
-                      <a:round/>
-                      <a:headEnd type="none" w="med" len="med"/>
-                      <a:tailEnd type="none" w="med" len="med"/>
-                    </a:lnR>
-                    <a:lnT w="9525" cap="flat" cmpd="sng" algn="ctr">
-                      <a:solidFill>
-                        <a:srgbClr val="FFFFFF"/>
-                      </a:solidFill>
-                      <a:prstDash val="solid"/>
-                      <a:round/>
-                      <a:headEnd type="none" w="med" len="med"/>
-                      <a:tailEnd type="none" w="med" len="med"/>
-                    </a:lnT>
-                    <a:lnB w="9525" cap="flat" cmpd="sng" algn="ctr">
-                      <a:solidFill>
-                        <a:srgbClr val="FFFFFF"/>
-                      </a:solidFill>
-                      <a:prstDash val="solid"/>
-                      <a:round/>
-                      <a:headEnd type="none" w="med" len="med"/>
-                      <a:tailEnd type="none" w="med" len="med"/>
-                    </a:lnB>
-                    <a:lnTlToBr w="12700" cmpd="sng">
-                      <a:noFill/>
-                      <a:prstDash val="solid"/>
-                    </a:lnTlToBr>
-                    <a:lnBlToTr w="12700" cmpd="sng">
-                      <a:noFill/>
-                      <a:prstDash val="solid"/>
-                    </a:lnBlToTr>
-                    <a:solidFill>
-                      <a:srgbClr val="F5F5F5"/>
-                    </a:solidFill>
-                  </a:tcPr>
-                </a:tc>
-                <a:tc>
-                  <a:txBody>
-                    <a:bodyPr/>
-                    <a:lstStyle/>
-                    <a:p>
-                      <a:r>
-                        <a:rPr lang="en-US" dirty="0" err="1" smtClean="0"/>
-                        <a:t>AppFabric</a:t>
-                      </a:r>
-                      <a:r>
-                        <a:rPr lang="en-US" dirty="0" smtClean="0"/>
-                        <a:t> Cache</a:t>
-                      </a:r>
-                      <a:endParaRPr lang="en-US" dirty="0"/>
-                    </a:p>
-                  </a:txBody>
-                  <a:tcPr marL="182880" marR="182880" marT="91440" marB="91440">
-                    <a:lnL w="9525" cap="flat" cmpd="sng" algn="ctr">
-                      <a:solidFill>
-                        <a:srgbClr val="FFFFFF"/>
-                      </a:solidFill>
-                      <a:prstDash val="solid"/>
-                      <a:round/>
-                      <a:headEnd type="none" w="med" len="med"/>
-                      <a:tailEnd type="none" w="med" len="med"/>
-                    </a:lnL>
-                    <a:lnR w="9525" cap="flat" cmpd="sng" algn="ctr">
-                      <a:solidFill>
-                        <a:srgbClr val="FFFFFF"/>
-                      </a:solidFill>
-                      <a:prstDash val="solid"/>
-                      <a:round/>
-                      <a:headEnd type="none" w="med" len="med"/>
-                      <a:tailEnd type="none" w="med" len="med"/>
-                    </a:lnR>
-                    <a:lnT w="9525" cap="flat" cmpd="sng" algn="ctr">
-                      <a:solidFill>
-                        <a:srgbClr val="FFFFFF"/>
-                      </a:solidFill>
-                      <a:prstDash val="solid"/>
-                      <a:round/>
-                      <a:headEnd type="none" w="med" len="med"/>
-                      <a:tailEnd type="none" w="med" len="med"/>
-                    </a:lnT>
-                    <a:lnB w="9525" cap="flat" cmpd="sng" algn="ctr">
-                      <a:solidFill>
-                        <a:srgbClr val="FFFFFF"/>
-                      </a:solidFill>
-                      <a:prstDash val="solid"/>
-                      <a:round/>
-                      <a:headEnd type="none" w="med" len="med"/>
-                      <a:tailEnd type="none" w="med" len="med"/>
-                    </a:lnB>
-                    <a:lnTlToBr w="12700" cmpd="sng">
-                      <a:noFill/>
-                      <a:prstDash val="solid"/>
-                    </a:lnTlToBr>
-                    <a:lnBlToTr w="12700" cmpd="sng">
-                      <a:noFill/>
-                      <a:prstDash val="solid"/>
-                    </a:lnBlToTr>
-                    <a:solidFill>
-                      <a:srgbClr val="F5F5F5"/>
-                    </a:solidFill>
-                  </a:tcPr>
-                </a:tc>
-                <a:tc>
-                  <a:txBody>
-                    <a:bodyPr/>
-                    <a:lstStyle/>
-                    <a:p>
-                      <a:r>
-                        <a:rPr lang="en-US" b="0" dirty="0" smtClean="0"/>
-                        <a:t>Azure Redis Cache </a:t>
-                      </a:r>
-                      <a:r>
-                        <a:rPr lang="en-US" dirty="0" smtClean="0"/>
-                        <a:t>or Azure Managed Cache</a:t>
-                      </a:r>
-                      <a:endParaRPr lang="en-US" dirty="0"/>
-                    </a:p>
-                  </a:txBody>
-                  <a:tcPr marL="182880" marR="182880" marT="91440" marB="91440">
-                    <a:lnL w="9525" cap="flat" cmpd="sng" algn="ctr">
-                      <a:solidFill>
-                        <a:srgbClr val="FFFFFF"/>
-                      </a:solidFill>
-                      <a:prstDash val="solid"/>
-                      <a:round/>
-                      <a:headEnd type="none" w="med" len="med"/>
-                      <a:tailEnd type="none" w="med" len="med"/>
-                    </a:lnL>
-                    <a:lnR w="9525" cap="flat" cmpd="sng" algn="ctr">
-                      <a:solidFill>
-                        <a:srgbClr val="FFFFFF"/>
-                      </a:solidFill>
-                      <a:prstDash val="solid"/>
-                      <a:round/>
-                      <a:headEnd type="none" w="med" len="med"/>
-                      <a:tailEnd type="none" w="med" len="med"/>
-                    </a:lnR>
-                    <a:lnT w="9525" cap="flat" cmpd="sng" algn="ctr">
-                      <a:solidFill>
-                        <a:srgbClr val="FFFFFF"/>
-                      </a:solidFill>
-                      <a:prstDash val="solid"/>
-                      <a:round/>
-                      <a:headEnd type="none" w="med" len="med"/>
-                      <a:tailEnd type="none" w="med" len="med"/>
-                    </a:lnT>
-                    <a:lnB w="9525" cap="flat" cmpd="sng" algn="ctr">
-                      <a:solidFill>
-                        <a:srgbClr val="FFFFFF"/>
-                      </a:solidFill>
-                      <a:prstDash val="solid"/>
-                      <a:round/>
-                      <a:headEnd type="none" w="med" len="med"/>
-                      <a:tailEnd type="none" w="med" len="med"/>
-                    </a:lnB>
-                    <a:lnTlToBr w="12700" cmpd="sng">
-                      <a:noFill/>
-                      <a:prstDash val="solid"/>
-                    </a:lnTlToBr>
-                    <a:lnBlToTr w="12700" cmpd="sng">
-                      <a:noFill/>
-                      <a:prstDash val="solid"/>
-                    </a:lnBlToTr>
-                    <a:solidFill>
-                      <a:srgbClr val="F5F5F5"/>
-                    </a:solidFill>
-                  </a:tcPr>
-                </a:tc>
-              </a:tr>
-              <a:tr h="457200">
-                <a:tc>
-                  <a:txBody>
-                    <a:bodyPr/>
-                    <a:lstStyle/>
-                    <a:p>
-                      <a:r>
-                        <a:rPr lang="en-US" b="0" baseline="0" dirty="0" smtClean="0">
-                          <a:latin typeface="+mn-lt"/>
-                        </a:rPr>
-                        <a:t>Traffic Manager</a:t>
-                      </a:r>
-                      <a:endParaRPr lang="en-US" b="0" dirty="0">
-                        <a:latin typeface="+mn-lt"/>
-                      </a:endParaRPr>
-                    </a:p>
-                  </a:txBody>
-                  <a:tcPr marL="182880" marR="182880" marT="91440" marB="91440">
-                    <a:lnL w="9525" cap="flat" cmpd="sng" algn="ctr">
-                      <a:solidFill>
-                        <a:srgbClr val="FFFFFF"/>
-                      </a:solidFill>
-                      <a:prstDash val="solid"/>
-                      <a:round/>
-                      <a:headEnd type="none" w="med" len="med"/>
-                      <a:tailEnd type="none" w="med" len="med"/>
-                    </a:lnL>
-                    <a:lnR w="9525" cap="flat" cmpd="sng" algn="ctr">
-                      <a:solidFill>
-                        <a:srgbClr val="FFFFFF"/>
-                      </a:solidFill>
-                      <a:prstDash val="solid"/>
-                      <a:round/>
-                      <a:headEnd type="none" w="med" len="med"/>
-                      <a:tailEnd type="none" w="med" len="med"/>
-                    </a:lnR>
-                    <a:lnT w="9525" cap="flat" cmpd="sng" algn="ctr">
-                      <a:solidFill>
-                        <a:srgbClr val="FFFFFF"/>
-                      </a:solidFill>
-                      <a:prstDash val="solid"/>
-                      <a:round/>
-                      <a:headEnd type="none" w="med" len="med"/>
-                      <a:tailEnd type="none" w="med" len="med"/>
-                    </a:lnT>
-                    <a:lnB w="9525" cap="flat" cmpd="sng" algn="ctr">
-                      <a:solidFill>
-                        <a:srgbClr val="FFFFFF"/>
-                      </a:solidFill>
-                      <a:prstDash val="solid"/>
-                      <a:round/>
-                      <a:headEnd type="none" w="med" len="med"/>
-                      <a:tailEnd type="none" w="med" len="med"/>
-                    </a:lnB>
-                    <a:lnTlToBr w="12700" cmpd="sng">
-                      <a:noFill/>
-                      <a:prstDash val="solid"/>
-                    </a:lnTlToBr>
-                    <a:lnBlToTr w="12700" cmpd="sng">
-                      <a:noFill/>
-                      <a:prstDash val="solid"/>
-                    </a:lnBlToTr>
-                    <a:solidFill>
-                      <a:srgbClr val="F5F5F5"/>
-                    </a:solidFill>
-                  </a:tcPr>
-                </a:tc>
-                <a:tc>
-                  <a:txBody>
-                    <a:bodyPr/>
-                    <a:lstStyle/>
-                    <a:p>
-                      <a:r>
-                        <a:rPr lang="en-US" dirty="0" smtClean="0"/>
-                        <a:t>Custom</a:t>
-                      </a:r>
-                      <a:endParaRPr lang="en-US" dirty="0"/>
-                    </a:p>
-                  </a:txBody>
-                  <a:tcPr marL="182880" marR="182880" marT="91440" marB="91440">
-                    <a:lnL w="9525" cap="flat" cmpd="sng" algn="ctr">
-                      <a:solidFill>
-                        <a:srgbClr val="FFFFFF"/>
-                      </a:solidFill>
-                      <a:prstDash val="solid"/>
-                      <a:round/>
-                      <a:headEnd type="none" w="med" len="med"/>
-                      <a:tailEnd type="none" w="med" len="med"/>
-                    </a:lnL>
-                    <a:lnR w="9525" cap="flat" cmpd="sng" algn="ctr">
-                      <a:solidFill>
-                        <a:srgbClr val="FFFFFF"/>
-                      </a:solidFill>
-                      <a:prstDash val="solid"/>
-                      <a:round/>
-                      <a:headEnd type="none" w="med" len="med"/>
-                      <a:tailEnd type="none" w="med" len="med"/>
-                    </a:lnR>
-                    <a:lnT w="9525" cap="flat" cmpd="sng" algn="ctr">
-                      <a:solidFill>
-                        <a:srgbClr val="FFFFFF"/>
-                      </a:solidFill>
-                      <a:prstDash val="solid"/>
-                      <a:round/>
-                      <a:headEnd type="none" w="med" len="med"/>
-                      <a:tailEnd type="none" w="med" len="med"/>
-                    </a:lnT>
-                    <a:lnB w="9525" cap="flat" cmpd="sng" algn="ctr">
-                      <a:solidFill>
-                        <a:srgbClr val="FFFFFF"/>
-                      </a:solidFill>
-                      <a:prstDash val="solid"/>
-                      <a:round/>
-                      <a:headEnd type="none" w="med" len="med"/>
-                      <a:tailEnd type="none" w="med" len="med"/>
-                    </a:lnB>
-                    <a:lnTlToBr w="12700" cmpd="sng">
-                      <a:noFill/>
-                      <a:prstDash val="solid"/>
-                    </a:lnTlToBr>
-                    <a:lnBlToTr w="12700" cmpd="sng">
-                      <a:noFill/>
-                      <a:prstDash val="solid"/>
-                    </a:lnBlToTr>
-                    <a:solidFill>
-                      <a:srgbClr val="F5F5F5"/>
-                    </a:solidFill>
-                  </a:tcPr>
-                </a:tc>
-                <a:tc>
-                  <a:txBody>
-                    <a:bodyPr/>
-                    <a:lstStyle/>
-                    <a:p>
-                      <a:r>
-                        <a:rPr lang="en-US" b="0" dirty="0" smtClean="0"/>
-                        <a:t>Azure Traffic Manager</a:t>
-                      </a:r>
-                      <a:endParaRPr lang="en-US" dirty="0"/>
-                    </a:p>
-                  </a:txBody>
-                  <a:tcPr marL="182880" marR="182880" marT="91440" marB="91440">
-                    <a:lnL w="9525" cap="flat" cmpd="sng" algn="ctr">
-                      <a:solidFill>
-                        <a:srgbClr val="FFFFFF"/>
-                      </a:solidFill>
-                      <a:prstDash val="solid"/>
-                      <a:round/>
-                      <a:headEnd type="none" w="med" len="med"/>
-                      <a:tailEnd type="none" w="med" len="med"/>
-                    </a:lnL>
-                    <a:lnR w="9525" cap="flat" cmpd="sng" algn="ctr">
-                      <a:solidFill>
-                        <a:srgbClr val="FFFFFF"/>
-                      </a:solidFill>
-                      <a:prstDash val="solid"/>
-                      <a:round/>
-                      <a:headEnd type="none" w="med" len="med"/>
-                      <a:tailEnd type="none" w="med" len="med"/>
-                    </a:lnR>
-                    <a:lnT w="9525" cap="flat" cmpd="sng" algn="ctr">
-                      <a:solidFill>
-                        <a:srgbClr val="FFFFFF"/>
-                      </a:solidFill>
-                      <a:prstDash val="solid"/>
-                      <a:round/>
-                      <a:headEnd type="none" w="med" len="med"/>
-                      <a:tailEnd type="none" w="med" len="med"/>
-                    </a:lnT>
-                    <a:lnB w="9525" cap="flat" cmpd="sng" algn="ctr">
-                      <a:solidFill>
-                        <a:srgbClr val="FFFFFF"/>
-                      </a:solidFill>
-                      <a:prstDash val="solid"/>
-                      <a:round/>
-                      <a:headEnd type="none" w="med" len="med"/>
-                      <a:tailEnd type="none" w="med" len="med"/>
-                    </a:lnB>
-                    <a:lnTlToBr w="12700" cmpd="sng">
-                      <a:noFill/>
-                      <a:prstDash val="solid"/>
-                    </a:lnTlToBr>
-                    <a:lnBlToTr w="12700" cmpd="sng">
-                      <a:noFill/>
-                      <a:prstDash val="solid"/>
-                    </a:lnBlToTr>
-                    <a:solidFill>
-                      <a:srgbClr val="F5F5F5"/>
-                    </a:solidFill>
-                  </a:tcPr>
-                </a:tc>
-              </a:tr>
-            </a:tbl>
-          </a:graphicData>
-        </a:graphic>
-      </p:graphicFrame>
+          <a:bodyPr/>
+          <a:lstStyle/>
+          <a:p>
+            <a:r>
+              <a:rPr lang="en-US" dirty="0" smtClean="0"/>
+              <a:t>Azure Active Directory</a:t>
+            </a:r>
+            <a:endParaRPr lang="en-US" dirty="0"/>
+          </a:p>
+        </p:txBody>
+      </p:sp>
+      <p:sp>
+        <p:nvSpPr>
+          <p:cNvPr id="5" name="Text Placeholder 4"/>
+          <p:cNvSpPr>
+            <a:spLocks noGrp="1"/>
+          </p:cNvSpPr>
+          <p:nvPr>
+            <p:ph type="body" idx="1"/>
+          </p:nvPr>
+        </p:nvSpPr>
+        <p:spPr/>
+        <p:txBody>
+          <a:bodyPr/>
+          <a:lstStyle/>
+          <a:p>
+            <a:endParaRPr lang="en-US" dirty="0"/>
+          </a:p>
+        </p:txBody>
+      </p:sp>
     </p:spTree>
     <p:extLst>
       <p:ext uri="{BB962C8B-B14F-4D97-AF65-F5344CB8AC3E}">
-        <p14:creationId xmlns:p14="http://schemas.microsoft.com/office/powerpoint/2010/main" val="1478538529"/>
+        <p14:creationId xmlns:p14="http://schemas.microsoft.com/office/powerpoint/2010/main" val="1180836341"/>
       </p:ext>
     </p:extLst>
   </p:cSld>
@@ -6453,7 +4454,9 @@
         </p:nvSpPr>
         <p:spPr/>
         <p:txBody>
-          <a:bodyPr/>
+          <a:bodyPr>
+            <a:normAutofit fontScale="90000"/>
+          </a:bodyPr>
           <a:lstStyle/>
           <a:p>
             <a:r>
@@ -6466,19 +4469,84 @@
       </p:sp>
       <p:sp>
         <p:nvSpPr>
-          <p:cNvPr id="5" name="Text Placeholder 4"/>
-          <p:cNvSpPr>
-            <a:spLocks noGrp="1"/>
-          </p:cNvSpPr>
-          <p:nvPr>
-            <p:ph type="body" idx="1"/>
-          </p:nvPr>
-        </p:nvSpPr>
-        <p:spPr/>
-        <p:txBody>
-          <a:bodyPr/>
-          <a:lstStyle/>
-          <a:p>
+          <p:cNvPr id="5" name="Content Placeholder 4"/>
+          <p:cNvSpPr>
+            <a:spLocks noGrp="1"/>
+          </p:cNvSpPr>
+          <p:nvPr>
+            <p:ph idx="1"/>
+          </p:nvPr>
+        </p:nvSpPr>
+        <p:spPr/>
+        <p:txBody>
+          <a:bodyPr/>
+          <a:lstStyle/>
+          <a:p>
+            <a:pPr marL="0" indent="0">
+              <a:buNone/>
+            </a:pPr>
+            <a:r>
+              <a:rPr lang="en-US" dirty="0" smtClean="0"/>
+              <a:t>Azure Active Directory</a:t>
+            </a:r>
+          </a:p>
+          <a:p>
+            <a:r>
+              <a:rPr lang="en-US" dirty="0" smtClean="0"/>
+              <a:t>For small organizations you can store your entire directory in AAD</a:t>
+            </a:r>
+          </a:p>
+          <a:p>
+            <a:r>
+              <a:rPr lang="en-US" dirty="0" smtClean="0"/>
+              <a:t>For enterprise organizations you can sync your on-</a:t>
+            </a:r>
+            <a:r>
+              <a:rPr lang="en-US" dirty="0" err="1" smtClean="0"/>
+              <a:t>prem</a:t>
+            </a:r>
+            <a:r>
+              <a:rPr lang="en-US" dirty="0" smtClean="0"/>
+              <a:t> AD to AAD</a:t>
+            </a:r>
+          </a:p>
+          <a:p>
+            <a:r>
+              <a:rPr lang="en-US" dirty="0" smtClean="0"/>
+              <a:t>Free for up to 500,000 users</a:t>
+            </a:r>
+          </a:p>
+          <a:p>
+            <a:endParaRPr lang="en-US" dirty="0"/>
+          </a:p>
+          <a:p>
+            <a:r>
+              <a:rPr lang="en-US" dirty="0" smtClean="0"/>
+              <a:t>Process for manual setup described </a:t>
+            </a:r>
+            <a:r>
+              <a:rPr lang="en-US" dirty="0"/>
+              <a:t>at </a:t>
+            </a:r>
+            <a:r>
+              <a:rPr lang="en-US" dirty="0">
+                <a:hlinkClick r:id="rId2"/>
+              </a:rPr>
+              <a:t>http://</a:t>
+            </a:r>
+            <a:r>
+              <a:rPr lang="en-US" dirty="0" smtClean="0">
+                <a:hlinkClick r:id="rId2"/>
+              </a:rPr>
+              <a:t>msdn.microsoft.com/library/azure/dn151790.aspx</a:t>
+            </a:r>
+            <a:endParaRPr lang="en-US" dirty="0" smtClean="0"/>
+          </a:p>
+          <a:p>
+            <a:r>
+              <a:rPr lang="en-US" dirty="0" smtClean="0"/>
+              <a:t>In Visual Studio we have added tooling around this to make it really easy</a:t>
+            </a:r>
             <a:endParaRPr lang="en-US" dirty="0"/>
           </a:p>
         </p:txBody>
@@ -6486,7 +4554,7 @@
     </p:spTree>
     <p:extLst>
       <p:ext uri="{BB962C8B-B14F-4D97-AF65-F5344CB8AC3E}">
-        <p14:creationId xmlns:p14="http://schemas.microsoft.com/office/powerpoint/2010/main" val="1180836341"/>
+        <p14:creationId xmlns:p14="http://schemas.microsoft.com/office/powerpoint/2010/main" val="606224919"/>
       </p:ext>
     </p:extLst>
   </p:cSld>
@@ -6527,125 +4595,61 @@
             <a:spLocks noGrp="1"/>
           </p:cNvSpPr>
           <p:nvPr>
-            <p:ph type="title"/>
-          </p:nvPr>
-        </p:nvSpPr>
-        <p:spPr/>
-        <p:txBody>
-          <a:bodyPr>
-            <a:normAutofit fontScale="90000"/>
-          </a:bodyPr>
+            <p:ph type="ctrTitle"/>
+          </p:nvPr>
+        </p:nvSpPr>
+        <p:spPr/>
+        <p:txBody>
+          <a:bodyPr/>
           <a:lstStyle/>
           <a:p>
             <a:r>
               <a:rPr lang="en-US" dirty="0" smtClean="0"/>
-              <a:t>Azure Active Directory</a:t>
-            </a:r>
-            <a:endParaRPr lang="en-US" dirty="0"/>
-          </a:p>
-        </p:txBody>
-      </p:sp>
-      <p:sp>
-        <p:nvSpPr>
-          <p:cNvPr id="5" name="Content Placeholder 4"/>
-          <p:cNvSpPr>
-            <a:spLocks noGrp="1"/>
-          </p:cNvSpPr>
-          <p:nvPr>
-            <p:ph idx="1"/>
-          </p:nvPr>
-        </p:nvSpPr>
-        <p:spPr/>
-        <p:txBody>
-          <a:bodyPr/>
-          <a:lstStyle/>
-          <a:p>
-            <a:pPr marL="0" indent="0">
-              <a:buNone/>
-            </a:pPr>
-            <a:r>
+              <a:t>Demo Time!</a:t>
+            </a:r>
+            <a:br>
               <a:rPr lang="en-US" dirty="0" smtClean="0"/>
-              <a:t>Azure Active Directory</a:t>
-            </a:r>
-          </a:p>
-          <a:p>
+            </a:br>
             <a:r>
               <a:rPr lang="en-US" dirty="0" smtClean="0"/>
-              <a:t>For small organizations you can store your entire directory in AAD</a:t>
-            </a:r>
-          </a:p>
-          <a:p>
-            <a:r>
+              <a:t/>
+            </a:r>
+            <a:br>
               <a:rPr lang="en-US" dirty="0" smtClean="0"/>
-              <a:t>For enterprise organizations you can sync your on-</a:t>
-            </a:r>
-            <a:r>
-              <a:rPr lang="en-US" dirty="0" err="1" smtClean="0"/>
-              <a:t>prem</a:t>
-            </a:r>
-            <a:r>
-              <a:rPr lang="en-US" dirty="0" smtClean="0"/>
-              <a:t> AD to AAD</a:t>
-            </a:r>
-          </a:p>
-          <a:p>
-            <a:r>
-              <a:rPr lang="en-US" dirty="0" smtClean="0"/>
-              <a:t>Free for up to 500,000 users</a:t>
-            </a:r>
-          </a:p>
-          <a:p>
-            <a:endParaRPr lang="en-US" dirty="0"/>
-          </a:p>
-          <a:p>
-            <a:r>
-              <a:rPr lang="en-US" dirty="0" smtClean="0"/>
-              <a:t>Process for manual setup described </a:t>
-            </a:r>
-            <a:r>
-              <a:rPr lang="en-US" dirty="0"/>
-              <a:t>at </a:t>
-            </a:r>
-            <a:r>
-              <a:rPr lang="en-US" dirty="0">
-                <a:hlinkClick r:id="rId2"/>
-              </a:rPr>
-              <a:t>http://</a:t>
-            </a:r>
-            <a:r>
-              <a:rPr lang="en-US" dirty="0" smtClean="0">
-                <a:hlinkClick r:id="rId2"/>
-              </a:rPr>
-              <a:t>msdn.microsoft.com/library/azure/dn151790.aspx</a:t>
-            </a:r>
-            <a:endParaRPr lang="en-US" dirty="0" smtClean="0"/>
-          </a:p>
-          <a:p>
-            <a:r>
-              <a:rPr lang="en-US" dirty="0" smtClean="0"/>
-              <a:t>In Visual Studio we have added tooling around this to make it really easy</a:t>
-            </a:r>
-            <a:endParaRPr lang="en-US" dirty="0"/>
+            </a:br>
+            <a:endParaRPr lang="en-US" dirty="0"/>
+          </a:p>
+        </p:txBody>
+      </p:sp>
+      <p:sp>
+        <p:nvSpPr>
+          <p:cNvPr id="5" name="Subtitle 4"/>
+          <p:cNvSpPr>
+            <a:spLocks noGrp="1"/>
+          </p:cNvSpPr>
+          <p:nvPr>
+            <p:ph type="subTitle" idx="1"/>
+          </p:nvPr>
+        </p:nvSpPr>
+        <p:spPr/>
+        <p:txBody>
+          <a:bodyPr/>
+          <a:lstStyle/>
+          <a:p>
+            <a:endParaRPr lang="en-US"/>
           </a:p>
         </p:txBody>
       </p:sp>
     </p:spTree>
     <p:extLst>
       <p:ext uri="{BB962C8B-B14F-4D97-AF65-F5344CB8AC3E}">
-        <p14:creationId xmlns:p14="http://schemas.microsoft.com/office/powerpoint/2010/main" val="606224919"/>
+        <p14:creationId xmlns:p14="http://schemas.microsoft.com/office/powerpoint/2010/main" val="1779539400"/>
       </p:ext>
     </p:extLst>
   </p:cSld>
   <p:clrMapOvr>
     <a:masterClrMapping/>
   </p:clrMapOvr>
-  <p:timing>
-    <p:tnLst>
-      <p:par>
-        <p:cTn id="1" dur="indefinite" restart="never" nodeType="tmRoot"/>
-      </p:par>
-    </p:tnLst>
-  </p:timing>
 </p:sld>
 </file>
 

--- a/asp.net-and-azure-cob2014.pptx
+++ b/asp.net-and-azure-cob2014.pptx
@@ -4318,7 +4318,7 @@
         </p:blipFill>
         <p:spPr>
           <a:xfrm>
-            <a:off x="3047736" y="213081"/>
+            <a:off x="3047736" y="0"/>
             <a:ext cx="6096528" cy="6431837"/>
           </a:xfrm>
           <a:prstGeom prst="rect">
@@ -4326,6 +4326,58 @@
           </a:prstGeom>
         </p:spPr>
       </p:pic>
+      <p:sp>
+        <p:nvSpPr>
+          <p:cNvPr id="2" name="TextBox 1"/>
+          <p:cNvSpPr txBox="1"/>
+          <p:nvPr/>
+        </p:nvSpPr>
+        <p:spPr>
+          <a:xfrm>
+            <a:off x="221673" y="6483925"/>
+            <a:ext cx="10871200" cy="369332"/>
+          </a:xfrm>
+          <a:prstGeom prst="rect">
+            <a:avLst/>
+          </a:prstGeom>
+          <a:noFill/>
+        </p:spPr>
+        <p:txBody>
+          <a:bodyPr wrap="square" rtlCol="0">
+            <a:spAutoFit/>
+          </a:bodyPr>
+          <a:lstStyle/>
+          <a:p>
+            <a:r>
+              <a:rPr lang="en-US" dirty="0" smtClean="0"/>
+              <a:t>Source: </a:t>
+            </a:r>
+            <a:r>
+              <a:rPr lang="en-US" dirty="0" smtClean="0">
+                <a:hlinkClick r:id="rId3"/>
+              </a:rPr>
+              <a:t>http</a:t>
+            </a:r>
+            <a:r>
+              <a:rPr lang="en-US">
+                <a:hlinkClick r:id="rId3"/>
+              </a:rPr>
+              <a:t>://</a:t>
+            </a:r>
+            <a:r>
+              <a:rPr lang="en-US" smtClean="0">
+                <a:hlinkClick r:id="rId3"/>
+              </a:rPr>
+              <a:t>msdn.microsoft.com/en-us/library/azure/dd163896.aspx</a:t>
+            </a:r>
+            <a:r>
+              <a:rPr lang="en-US" smtClean="0"/>
+              <a:t> </a:t>
+            </a:r>
+            <a:endParaRPr lang="en-US" dirty="0"/>
+          </a:p>
+        </p:txBody>
+      </p:sp>
     </p:spTree>
     <p:extLst>
       <p:ext uri="{BB962C8B-B14F-4D97-AF65-F5344CB8AC3E}">

--- a/asp.net-and-azure-cob2014.pptx
+++ b/asp.net-and-azure-cob2014.pptx
@@ -3384,7 +3384,12 @@
             <p:ph type="ctrTitle"/>
           </p:nvPr>
         </p:nvSpPr>
-        <p:spPr/>
+        <p:spPr>
+          <a:xfrm>
+            <a:off x="1261872" y="758952"/>
+            <a:ext cx="9418320" cy="2597565"/>
+          </a:xfrm>
+        </p:spPr>
         <p:txBody>
           <a:bodyPr>
             <a:normAutofit/>
@@ -3393,8 +3398,13 @@
           <a:p>
             <a:r>
               <a:rPr lang="en-US" sz="6000" dirty="0"/>
-              <a:t>What's new for ASP.NET developers using Windows Azure</a:t>
-            </a:r>
+              <a:t>What's new for ASP.NET developers using Windows </a:t>
+            </a:r>
+            <a:r>
+              <a:rPr lang="en-US" sz="6000" dirty="0" smtClean="0"/>
+              <a:t>Azure</a:t>
+            </a:r>
+            <a:endParaRPr lang="en-US" sz="6000" dirty="0"/>
           </a:p>
         </p:txBody>
       </p:sp>
@@ -3408,31 +3418,38 @@
             <p:ph type="subTitle" idx="1"/>
           </p:nvPr>
         </p:nvSpPr>
-        <p:spPr/>
-        <p:txBody>
-          <a:bodyPr/>
-          <a:lstStyle/>
-          <a:p>
-            <a:r>
-              <a:rPr lang="en-US" dirty="0" smtClean="0"/>
+        <p:spPr>
+          <a:xfrm>
+            <a:off x="1261872" y="4209586"/>
+            <a:ext cx="9418320" cy="1691640"/>
+          </a:xfrm>
+        </p:spPr>
+        <p:txBody>
+          <a:bodyPr>
+            <a:noAutofit/>
+          </a:bodyPr>
+          <a:lstStyle/>
+          <a:p>
+            <a:r>
+              <a:rPr lang="en-US" sz="4000" dirty="0" smtClean="0"/>
               <a:t>Sayed Ibrahim Hashimi</a:t>
             </a:r>
           </a:p>
           <a:p>
             <a:r>
-              <a:rPr lang="en-US" dirty="0" smtClean="0">
+              <a:rPr lang="en-US" sz="4000" dirty="0" smtClean="0">
                 <a:hlinkClick r:id="rId2"/>
               </a:rPr>
               <a:t>SayedHa@Microsoft.com</a:t>
             </a:r>
-            <a:endParaRPr lang="en-US" dirty="0" smtClean="0"/>
-          </a:p>
-          <a:p>
-            <a:r>
-              <a:rPr lang="en-US" dirty="0" smtClean="0"/>
+            <a:endParaRPr lang="en-US" sz="4000" dirty="0" smtClean="0"/>
+          </a:p>
+          <a:p>
+            <a:r>
+              <a:rPr lang="en-US" sz="4000" dirty="0" smtClean="0"/>
               <a:t>@SayedIHashimi</a:t>
             </a:r>
-            <a:endParaRPr lang="en-US" dirty="0"/>
+            <a:endParaRPr lang="en-US" sz="4000" dirty="0"/>
           </a:p>
         </p:txBody>
       </p:sp>
@@ -3508,7 +3525,12 @@
             <p:ph idx="1"/>
           </p:nvPr>
         </p:nvSpPr>
-        <p:spPr/>
+        <p:spPr>
+          <a:xfrm>
+            <a:off x="1261872" y="791110"/>
+            <a:ext cx="8595360" cy="5933075"/>
+          </a:xfrm>
+        </p:spPr>
         <p:txBody>
           <a:bodyPr>
             <a:normAutofit fontScale="92500" lnSpcReduction="10000"/>
@@ -3595,12 +3617,8 @@
           </a:p>
           <a:p>
             <a:r>
-              <a:rPr lang="en-US" smtClean="0"/>
-              <a:t>Vittorio’s </a:t>
-            </a:r>
-            <a:r>
               <a:rPr lang="en-US" dirty="0" smtClean="0"/>
-              <a:t>blog (AAD): </a:t>
+              <a:t>Vittorio’s blog (AAD): </a:t>
             </a:r>
             <a:r>
               <a:rPr lang="en-US" dirty="0">
@@ -3647,7 +3665,7 @@
               <a:buNone/>
             </a:pPr>
             <a:r>
-              <a:rPr lang="en-US" u="sng" dirty="0" smtClean="0">
+              <a:rPr lang="en-US" sz="3500" u="sng" dirty="0" smtClean="0">
                 <a:latin typeface="Source Code Pro" panose="020B0509030403020204" pitchFamily="49" charset="0"/>
               </a:rPr>
               <a:t>Contact Info</a:t>
@@ -3655,7 +3673,7 @@
           </a:p>
           <a:p>
             <a:r>
-              <a:rPr lang="en-US" dirty="0" smtClean="0">
+              <a:rPr lang="en-US" sz="3500" dirty="0" smtClean="0">
                 <a:latin typeface="Source Code Pro" panose="020B0509030403020204" pitchFamily="49" charset="0"/>
               </a:rPr>
               <a:t>@SayedIHashimi</a:t>
@@ -3663,12 +3681,12 @@
           </a:p>
           <a:p>
             <a:r>
-              <a:rPr lang="en-US" dirty="0" smtClean="0">
+              <a:rPr lang="en-US" sz="3500" dirty="0" smtClean="0">
                 <a:latin typeface="Source Code Pro" panose="020B0509030403020204" pitchFamily="49" charset="0"/>
               </a:rPr>
               <a:t>SayedHa@Microsoft.com</a:t>
             </a:r>
-            <a:endParaRPr lang="en-US" dirty="0">
+            <a:endParaRPr lang="en-US" sz="3500" dirty="0">
               <a:latin typeface="Source Code Pro" panose="020B0509030403020204" pitchFamily="49" charset="0"/>
             </a:endParaRPr>
           </a:p>
